--- a/Predicting Genetic Disorders.pptx
+++ b/Predicting Genetic Disorders.pptx
@@ -161,12 +161,15 @@
 <p1510:revInfo xmlns:a="http://schemas.openxmlformats.org/drawingml/2006/main" xmlns:r="http://schemas.openxmlformats.org/officeDocument/2006/relationships" xmlns:p1510="http://schemas.microsoft.com/office/powerpoint/2015/10/main">
   <p1510:revLst>
     <p1510:client id="{03D9FDBB-35E9-4577-B45B-775A5844B911}" v="775" dt="2023-11-28T23:34:20.639"/>
+    <p1510:client id="{1DB862C0-30BE-46B1-9FE8-90790653664F}" v="12" dt="2023-11-30T22:29:50.187"/>
     <p1510:client id="{4B2577C7-9BE0-4A1A-90E2-CBFA7C280875}" v="1769" dt="2023-11-28T02:40:08.706"/>
     <p1510:client id="{697311BA-1602-45D4-808D-C619BF58522C}" v="1" dt="2023-11-28T00:14:22.174"/>
     <p1510:client id="{729056F2-1075-40AD-8AF5-528F5AC79E5B}" v="1280" dt="2023-11-29T01:48:15.894"/>
     <p1510:client id="{77F0951E-86D2-43F3-89DF-4CECD5715A6F}" v="1" dt="2023-11-28T01:00:14.035"/>
     <p1510:client id="{B1B9972E-C4C4-4E20-A90A-DB53EBDA50AB}" v="300" dt="2023-11-29T01:45:13.203"/>
+    <p1510:client id="{BF618060-446C-478A-AE00-F1420B43AD94}" v="2" dt="2023-11-30T22:37:49.169"/>
     <p1510:client id="{CA6AA994-0E1C-4672-8478-011ACC155B26}" v="7" dt="2023-11-27T23:36:00.929"/>
+    <p1510:client id="{DB5D0402-E2DF-46F3-8713-F7B9048B5D50}" v="107" dt="2023-11-30T22:35:41.661"/>
   </p1510:revLst>
 </p1510:revInfo>
 </file>
@@ -265,7 +268,7 @@
           <a:p>
             <a:fld id="{966D5B4E-BF3E-3B45-A4BA-D6C3B92870D7}" type="datetimeFigureOut">
               <a:rPr lang="en-US" smtClean="0"/>
-              <a:t>11/28/2023</a:t>
+              <a:t>11/30/2023</a:t>
             </a:fld>
             <a:endParaRPr lang="en-US"/>
           </a:p>
@@ -442,7 +445,7 @@
           <a:p>
             <a:fld id="{F5A8621B-8C8E-49BA-8772-41D0FE75A082}" type="datetimeFigureOut">
               <a:rPr lang="en-US" smtClean="0"/>
-              <a:t>11/28/2023</a:t>
+              <a:t>11/30/2023</a:t>
             </a:fld>
             <a:endParaRPr lang="en-US"/>
           </a:p>
@@ -753,7 +756,7 @@
           <a:bodyPr/>
           <a:lstStyle/>
           <a:p>
-            <a:endParaRPr lang="en-US"/>
+            <a:endParaRPr lang="en-US" dirty="0"/>
           </a:p>
         </p:txBody>
       </p:sp>
@@ -774,9 +777,9 @@
           <a:p>
             <a:fld id="{228B34ED-4CDD-41C9-90F7-D768D5559A6F}" type="slidenum">
               <a:rPr lang="en-US" smtClean="0"/>
-              <a:t>3</a:t>
+              <a:t>2</a:t>
             </a:fld>
-            <a:endParaRPr lang="en-US"/>
+            <a:endParaRPr lang="en-US" dirty="0"/>
           </a:p>
         </p:txBody>
       </p:sp>
@@ -837,7 +840,7 @@
           <a:bodyPr/>
           <a:lstStyle/>
           <a:p>
-            <a:endParaRPr lang="en-US"/>
+            <a:endParaRPr lang="en-US" dirty="0"/>
           </a:p>
         </p:txBody>
       </p:sp>
@@ -858,9 +861,9 @@
           <a:p>
             <a:fld id="{228B34ED-4CDD-41C9-90F7-D768D5559A6F}" type="slidenum">
               <a:rPr lang="en-US" smtClean="0"/>
-              <a:t>15</a:t>
+              <a:t>20</a:t>
             </a:fld>
-            <a:endParaRPr lang="en-US"/>
+            <a:endParaRPr lang="en-US" dirty="0"/>
           </a:p>
         </p:txBody>
       </p:sp>
@@ -5343,7 +5346,7 @@
           <a:lstStyle/>
           <a:p>
             <a:r>
-              <a:rPr lang="en-US" b="1"/>
+              <a:rPr lang="en-US" b="1" dirty="0"/>
               <a:t>Predicting Genetic Disorder</a:t>
             </a:r>
           </a:p>
@@ -5371,7 +5374,7 @@
           <a:lstStyle/>
           <a:p>
             <a:r>
-              <a:rPr lang="en-US"/>
+              <a:rPr lang="en-US" dirty="0"/>
               <a:t>11.30.2023</a:t>
             </a:r>
           </a:p>
@@ -5399,7 +5402,7 @@
           <a:lstStyle/>
           <a:p>
             <a:r>
-              <a:rPr lang="en-US"/>
+              <a:rPr lang="en-US" dirty="0"/>
               <a:t>Machine learning</a:t>
             </a:r>
           </a:p>
@@ -5616,7 +5619,7 @@
           </a:lstStyle>
           <a:p>
             <a:r>
-              <a:rPr lang="en-US"/>
+              <a:rPr lang="en-US" dirty="0"/>
               <a:t>Tableau</a:t>
             </a:r>
           </a:p>
@@ -5680,14 +5683,14 @@
           <a:p>
             <a:pPr algn="l"/>
             <a:r>
-              <a:rPr lang="en-US" sz="1600">
+              <a:rPr lang="en-US" sz="1600" dirty="0">
                 <a:latin typeface="Calibri Light"/>
                 <a:ea typeface="Calibri"/>
                 <a:cs typeface="Calibri"/>
               </a:rPr>
               <a:t>Training a simple neural network, and evaluating its performance</a:t>
             </a:r>
-            <a:endParaRPr lang="en-US" sz="1600">
+            <a:endParaRPr lang="en-US" sz="1600" dirty="0">
               <a:latin typeface="Calibri Light"/>
               <a:ea typeface="Calibri Light"/>
               <a:cs typeface="Calibri Light"/>
@@ -5729,44 +5732,12 @@
               </a:lnSpc>
             </a:pPr>
             <a:r>
-              <a:rPr lang="en-US">
+              <a:rPr lang="en-US" dirty="0">
                 <a:latin typeface="Calibri Light"/>
                 <a:ea typeface="Calibri Light"/>
                 <a:cs typeface="Calibri Light"/>
               </a:rPr>
-              <a:t>The neural network model is trained on the training data (</a:t>
-            </a:r>
-            <a:r>
-              <a:rPr lang="en-US" err="1">
-                <a:latin typeface="Calibri Light"/>
-                <a:ea typeface="Calibri Light"/>
-                <a:cs typeface="Calibri Light"/>
-              </a:rPr>
-              <a:t>X_train_scaled</a:t>
-            </a:r>
-            <a:r>
-              <a:rPr lang="en-US">
-                <a:latin typeface="Calibri Light"/>
-                <a:ea typeface="Calibri Light"/>
-                <a:cs typeface="Calibri Light"/>
-              </a:rPr>
-              <a:t> and </a:t>
-            </a:r>
-            <a:r>
-              <a:rPr lang="en-US" err="1">
-                <a:latin typeface="Calibri Light"/>
-                <a:ea typeface="Calibri Light"/>
-                <a:cs typeface="Calibri Light"/>
-              </a:rPr>
-              <a:t>y_train</a:t>
-            </a:r>
-            <a:r>
-              <a:rPr lang="en-US">
-                <a:latin typeface="Calibri Light"/>
-                <a:ea typeface="Calibri Light"/>
-                <a:cs typeface="Calibri Light"/>
-              </a:rPr>
-              <a:t>) for 100 epochs.</a:t>
+              <a:t>The neural network model is trained on the training data (X_train_scaled and y_train) for 100 epochs.</a:t>
             </a:r>
           </a:p>
           <a:p>
@@ -5776,7 +5747,7 @@
               </a:lnSpc>
             </a:pPr>
             <a:r>
-              <a:rPr lang="en-US">
+              <a:rPr lang="en-US" dirty="0">
                 <a:solidFill>
                   <a:srgbClr val="000000"/>
                 </a:solidFill>
@@ -5794,14 +5765,14 @@
               </a:lnSpc>
             </a:pPr>
             <a:r>
-              <a:rPr lang="en-US">
+              <a:rPr lang="en-US" dirty="0">
                 <a:latin typeface="Calibri Light"/>
                 <a:ea typeface="Calibri Light"/>
                 <a:cs typeface="Calibri Light"/>
               </a:rPr>
               <a:t>Outcome aligns with the Logistics Regression Model using synthetic data generation</a:t>
             </a:r>
-            <a:endParaRPr lang="en-US" sz="1600">
+            <a:endParaRPr lang="en-US" sz="1600" dirty="0">
               <a:latin typeface="Calibri Light"/>
               <a:ea typeface="Calibri Light"/>
               <a:cs typeface="Calibri Light"/>
@@ -5813,7 +5784,7 @@
                 <a:spcPct val="100000"/>
               </a:lnSpc>
             </a:pPr>
-            <a:endParaRPr lang="en-US">
+            <a:endParaRPr lang="en-US" dirty="0">
               <a:solidFill>
                 <a:srgbClr val="000000"/>
               </a:solidFill>
@@ -5827,7 +5798,7 @@
               <a:buFont typeface="Courier New" panose="020B0604020202020204" pitchFamily="34" charset="0"/>
               <a:buChar char="o"/>
             </a:pPr>
-            <a:endParaRPr lang="en-US" sz="1200">
+            <a:endParaRPr lang="en-US" sz="1200" dirty="0">
               <a:solidFill>
                 <a:srgbClr val="374151"/>
               </a:solidFill>
@@ -5953,7 +5924,7 @@
         <p:spPr>
           <a:xfrm>
             <a:off x="6811553" y="1403898"/>
-            <a:ext cx="4643120" cy="879253"/>
+            <a:ext cx="4734560" cy="879253"/>
           </a:xfrm>
         </p:spPr>
         <p:txBody>
@@ -5962,7 +5933,7 @@
           <a:p>
             <a:pPr algn="l"/>
             <a:r>
-              <a:rPr lang="en-US" sz="1600">
+              <a:rPr lang="en-US" sz="1600" dirty="0">
                 <a:latin typeface="Calibri Light"/>
                 <a:ea typeface="Calibri"/>
                 <a:cs typeface="Calibri"/>
@@ -5997,7 +5968,7 @@
               <a:rPr lang="en-US" smtClean="0"/>
               <a:t>11</a:t>
             </a:fld>
-            <a:endParaRPr lang="en-US"/>
+            <a:endParaRPr lang="en-US" dirty="0"/>
           </a:p>
         </p:txBody>
       </p:sp>
@@ -6029,75 +6000,61 @@
           </a:bodyPr>
           <a:lstStyle/>
           <a:p>
-            <a:pPr algn="just">
+            <a:pPr>
               <a:lnSpc>
                 <a:spcPct val="100000"/>
               </a:lnSpc>
             </a:pPr>
             <a:r>
-              <a:rPr lang="en-US">
+              <a:rPr lang="en-US" dirty="0">
                 <a:latin typeface="Calibri Light"/>
                 <a:ea typeface="Calibri"/>
                 <a:cs typeface="Calibri"/>
               </a:rPr>
-              <a:t>Used a Logistic Regression and Random Forest models trained on resampled data, with an imbalanced pipeline including </a:t>
-            </a:r>
-            <a:r>
-              <a:rPr lang="en-US" err="1">
-                <a:latin typeface="Calibri Light"/>
-                <a:ea typeface="Calibri"/>
-                <a:cs typeface="Calibri"/>
-              </a:rPr>
-              <a:t>undersampling</a:t>
-            </a:r>
-            <a:r>
-              <a:rPr lang="en-US">
-                <a:latin typeface="Calibri Light"/>
-                <a:ea typeface="Calibri"/>
-                <a:cs typeface="Calibri"/>
-              </a:rPr>
-              <a:t> and SMOTE (Synthetic Minority Over-sampling Technique).</a:t>
-            </a:r>
-            <a:endParaRPr lang="en-US"/>
-          </a:p>
-          <a:p>
-            <a:pPr algn="just">
+              <a:t>Used a Logistic Regression and Random Forest models trained on resampled data, with an imbalanced pipeline including undersampling and SMOTE (Synthetic Minority Over-sampling Technique).</a:t>
+            </a:r>
+            <a:endParaRPr lang="en-US" dirty="0">
+              <a:cs typeface="Calibri" panose="020F0502020204030204"/>
+            </a:endParaRPr>
+          </a:p>
+          <a:p>
+            <a:pPr>
               <a:lnSpc>
                 <a:spcPct val="100000"/>
               </a:lnSpc>
             </a:pPr>
             <a:r>
-              <a:rPr lang="en-US">
+              <a:rPr lang="en-US" dirty="0">
                 <a:latin typeface="Calibri Light"/>
                 <a:ea typeface="Calibri"/>
                 <a:cs typeface="Calibri"/>
               </a:rPr>
-              <a:t>Balanced Accuracy (Logistic Regression): 0.4592 </a:t>
-            </a:r>
-          </a:p>
-          <a:p>
-            <a:pPr algn="just">
+              <a:t>Balanced Accuracy (Logistic Regression): 0.5920 </a:t>
+            </a:r>
+          </a:p>
+          <a:p>
+            <a:pPr>
               <a:lnSpc>
                 <a:spcPct val="100000"/>
               </a:lnSpc>
             </a:pPr>
             <a:r>
-              <a:rPr lang="en-US">
+              <a:rPr lang="en-US" dirty="0">
                 <a:latin typeface="Calibri Light"/>
                 <a:ea typeface="Calibri"/>
                 <a:cs typeface="Calibri"/>
               </a:rPr>
-              <a:t>Balanced Accuracy (Random Forest): 0.5354</a:t>
-            </a:r>
-          </a:p>
-          <a:p>
-            <a:pPr algn="just">
+              <a:t>Balanced Accuracy (Random Forest): 0.4965</a:t>
+            </a:r>
+          </a:p>
+          <a:p>
+            <a:pPr>
               <a:lnSpc>
                 <a:spcPct val="100000"/>
               </a:lnSpc>
             </a:pPr>
             <a:r>
-              <a:rPr lang="en-US">
+              <a:rPr lang="en-US" dirty="0">
                 <a:latin typeface="Calibri Light"/>
                 <a:ea typeface="Calibri"/>
                 <a:cs typeface="Calibri"/>
@@ -6106,18 +6063,18 @@
             </a:r>
           </a:p>
           <a:p>
-            <a:pPr algn="just">
+            <a:pPr>
               <a:lnSpc>
                 <a:spcPct val="100000"/>
               </a:lnSpc>
             </a:pPr>
             <a:r>
-              <a:rPr lang="en-US">
+              <a:rPr lang="en-US" dirty="0">
                 <a:latin typeface="Calibri Light"/>
                 <a:ea typeface="Calibri"/>
                 <a:cs typeface="Calibri"/>
               </a:rPr>
-              <a:t>Further addressing class imbalance, exploring additional features or interactions, and tuning model hyperparameters could improve performance</a:t>
+              <a:t>Further addressing class imbalance, exploring additional features or interactions, and tuning model hyperparameters could improve performance.</a:t>
             </a:r>
           </a:p>
           <a:p>
@@ -6172,10 +6129,10 @@
       </p:sp>
       <p:pic>
         <p:nvPicPr>
-          <p:cNvPr id="3" name="Picture 2" descr="A screenshot of a computer screen&#10;&#10;Description automatically generated">
-            <a:extLst>
-              <a:ext uri="{FF2B5EF4-FFF2-40B4-BE49-F238E27FC236}">
-                <a16:creationId xmlns:a16="http://schemas.microsoft.com/office/drawing/2014/main" id="{C566E118-0E80-31D9-95A6-D0DDE7BFCA27}"/>
+          <p:cNvPr id="10" name="Picture 9" descr="A screenshot of a computer&#10;&#10;Description automatically generated">
+            <a:extLst>
+              <a:ext uri="{FF2B5EF4-FFF2-40B4-BE49-F238E27FC236}">
+                <a16:creationId xmlns:a16="http://schemas.microsoft.com/office/drawing/2014/main" id="{C63EA7C2-961B-D93A-E109-AADCC8888BFB}"/>
               </a:ext>
             </a:extLst>
           </p:cNvPr>
@@ -6192,8 +6149,8 @@
         </p:blipFill>
         <p:spPr>
           <a:xfrm>
-            <a:off x="1939471" y="538843"/>
-            <a:ext cx="2743200" cy="2351314"/>
+            <a:off x="1594757" y="73594"/>
+            <a:ext cx="3668485" cy="3154811"/>
           </a:xfrm>
           <a:prstGeom prst="rect">
             <a:avLst/>
@@ -6202,10 +6159,10 @@
       </p:pic>
       <p:pic>
         <p:nvPicPr>
-          <p:cNvPr id="9" name="Picture 8">
-            <a:extLst>
-              <a:ext uri="{FF2B5EF4-FFF2-40B4-BE49-F238E27FC236}">
-                <a16:creationId xmlns:a16="http://schemas.microsoft.com/office/drawing/2014/main" id="{CBAE3DC3-54DF-4756-4B77-4E539B9E337D}"/>
+          <p:cNvPr id="11" name="Picture 10" descr="A comparison of a graph&#10;&#10;Description automatically generated">
+            <a:extLst>
+              <a:ext uri="{FF2B5EF4-FFF2-40B4-BE49-F238E27FC236}">
+                <a16:creationId xmlns:a16="http://schemas.microsoft.com/office/drawing/2014/main" id="{3B9A071A-875B-658A-BA36-D59121372246}"/>
               </a:ext>
             </a:extLst>
           </p:cNvPr>
@@ -6222,8 +6179,8 @@
         </p:blipFill>
         <p:spPr>
           <a:xfrm>
-            <a:off x="134256" y="3031841"/>
-            <a:ext cx="6498772" cy="3434103"/>
+            <a:off x="279400" y="3306450"/>
+            <a:ext cx="6535057" cy="3274956"/>
           </a:xfrm>
           <a:prstGeom prst="rect">
             <a:avLst/>
@@ -6392,7 +6349,7 @@
               <a:rPr lang="en-US" smtClean="0"/>
               <a:t>12</a:t>
             </a:fld>
-            <a:endParaRPr lang="en-US"/>
+            <a:endParaRPr lang="en-US" dirty="0"/>
           </a:p>
         </p:txBody>
       </p:sp>
@@ -6494,7 +6451,7 @@
           <a:lstStyle/>
           <a:p>
             <a:pPr algn="ctr"/>
-            <a:endParaRPr lang="en-US"/>
+            <a:endParaRPr lang="en-US" dirty="0"/>
           </a:p>
         </p:txBody>
       </p:sp>
@@ -6527,14 +6484,14 @@
           <a:lstStyle/>
           <a:p>
             <a:r>
-              <a:rPr lang="en-US" sz="4800"/>
+              <a:rPr lang="en-US" sz="4800" dirty="0"/>
               <a:t>Tableau</a:t>
             </a:r>
             <a:r>
-              <a:rPr lang="en-US"/>
+              <a:rPr lang="en-US" dirty="0"/>
               <a:t> Findings</a:t>
             </a:r>
-            <a:endParaRPr lang="en-US" sz="4800"/>
+            <a:endParaRPr lang="en-US" sz="4800" dirty="0"/>
           </a:p>
         </p:txBody>
       </p:sp>
@@ -6563,7 +6520,7 @@
               <a:rPr lang="en-US" smtClean="0"/>
               <a:t>13</a:t>
             </a:fld>
-            <a:endParaRPr lang="en-US"/>
+            <a:endParaRPr lang="en-US" dirty="0"/>
           </a:p>
         </p:txBody>
       </p:sp>
@@ -6620,7 +6577,7 @@
         <p:spPr>
           <a:xfrm>
             <a:off x="4155440" y="4488836"/>
-            <a:ext cx="4582160" cy="1893528"/>
+            <a:ext cx="4734560" cy="1974808"/>
           </a:xfrm>
           <a:prstGeom prst="rect">
             <a:avLst/>
@@ -6666,7 +6623,7 @@
               <a:buChar char="•"/>
             </a:pPr>
             <a:r>
-              <a:rPr lang="en-US" sz="1400" kern="1200">
+              <a:rPr lang="en-US" sz="1400" kern="1200" dirty="0">
                 <a:latin typeface="Calibri Light"/>
                 <a:ea typeface="Calibri Light"/>
                 <a:cs typeface="Calibri Light"/>
@@ -6674,7 +6631,7 @@
               <a:t>The </a:t>
             </a:r>
             <a:r>
-              <a:rPr lang="en-US" sz="1400" b="1" kern="1200">
+              <a:rPr lang="en-US" sz="1400" b="1" kern="1200" dirty="0">
                 <a:latin typeface="Calibri Light"/>
                 <a:ea typeface="Calibri Light"/>
                 <a:cs typeface="Calibri Light"/>
@@ -6682,7 +6639,7 @@
               <a:t>largest number of patients</a:t>
             </a:r>
             <a:r>
-              <a:rPr lang="en-US" sz="1400" kern="1200">
+              <a:rPr lang="en-US" sz="1400" kern="1200" dirty="0">
                 <a:latin typeface="Calibri Light"/>
                 <a:ea typeface="Calibri Light"/>
                 <a:cs typeface="Calibri Light"/>
@@ -6690,7 +6647,7 @@
               <a:t> in the dataset are </a:t>
             </a:r>
             <a:r>
-              <a:rPr lang="en-US" sz="1400" b="1" kern="1200">
+              <a:rPr lang="en-US" sz="1400" b="1" kern="1200" dirty="0">
                 <a:latin typeface="Calibri Light"/>
                 <a:ea typeface="Calibri Light"/>
                 <a:cs typeface="Calibri Light"/>
@@ -6698,7 +6655,7 @@
               <a:t>diagnosed with Mitochondrial disorder.</a:t>
             </a:r>
             <a:r>
-              <a:rPr lang="en-US" sz="1400" b="1">
+              <a:rPr lang="en-US" sz="1400" b="1" dirty="0">
                 <a:latin typeface="Calibri Light"/>
                 <a:ea typeface="Calibri Light"/>
                 <a:cs typeface="Calibri Light"/>
@@ -6714,7 +6671,7 @@
               <a:buFont typeface="Arial"/>
               <a:buChar char="•"/>
             </a:pPr>
-            <a:endParaRPr lang="en-US" sz="1250">
+            <a:endParaRPr lang="en-US" sz="1250" dirty="0">
               <a:ea typeface="Calibri" panose="020F0502020204030204"/>
               <a:cs typeface="Calibri" panose="020F0502020204030204"/>
             </a:endParaRPr>
@@ -6728,7 +6685,7 @@
               <a:buChar char="•"/>
             </a:pPr>
             <a:r>
-              <a:rPr lang="en-US" sz="1400" b="1" kern="1200">
+              <a:rPr lang="en-US" sz="1400" b="1" kern="1200" dirty="0">
                 <a:latin typeface="Calibri Light"/>
                 <a:ea typeface="Calibri Light"/>
                 <a:cs typeface="Calibri Light"/>
@@ -6736,7 +6693,7 @@
               <a:t>Genetic disorder by count of maternal &amp; paternal genes</a:t>
             </a:r>
             <a:r>
-              <a:rPr lang="en-US" sz="1400" kern="1200">
+              <a:rPr lang="en-US" sz="1400" kern="1200" dirty="0">
                 <a:latin typeface="Calibri Light"/>
                 <a:ea typeface="Calibri Light"/>
                 <a:cs typeface="Calibri Light"/>
@@ -6744,62 +6701,46 @@
               <a:t> are </a:t>
             </a:r>
             <a:r>
-              <a:rPr lang="en-US" sz="1400" b="1" kern="1200">
+              <a:rPr lang="en-US" sz="1400" b="1" kern="1200" dirty="0">
                 <a:latin typeface="Calibri Light"/>
                 <a:ea typeface="Calibri Light"/>
                 <a:cs typeface="Calibri Light"/>
               </a:rPr>
-              <a:t>highest for </a:t>
-            </a:r>
-            <a:r>
-              <a:rPr lang="en-US" sz="1400" b="1" kern="1200" err="1">
+              <a:t>highest for Mitochondrial </a:t>
+            </a:r>
+            <a:r>
+              <a:rPr lang="en-US" sz="1400" kern="1200" dirty="0">
                 <a:latin typeface="Calibri Light"/>
                 <a:ea typeface="Calibri Light"/>
                 <a:cs typeface="Calibri Light"/>
               </a:rPr>
-              <a:t>Mitochondial</a:t>
-            </a:r>
-            <a:r>
-              <a:rPr lang="en-US" sz="1400" b="1" kern="1200">
+              <a:t>disorders followed by single-gene inheritance and thirdly by </a:t>
+            </a:r>
+            <a:r>
+              <a:rPr lang="en-US" sz="1400" dirty="0">
                 <a:latin typeface="Calibri Light"/>
                 <a:ea typeface="Calibri Light"/>
                 <a:cs typeface="Calibri Light"/>
               </a:rPr>
-              <a:t> </a:t>
-            </a:r>
-            <a:r>
-              <a:rPr lang="en-US" sz="1400" kern="1200">
+              <a:t>Multifactorial</a:t>
+            </a:r>
+            <a:r>
+              <a:rPr lang="en-US" sz="1400" kern="1200" dirty="0">
                 <a:latin typeface="Calibri Light"/>
                 <a:ea typeface="Calibri Light"/>
                 <a:cs typeface="Calibri Light"/>
               </a:rPr>
-              <a:t>disorders followed by single-gene inheritance and thirdly by </a:t>
-            </a:r>
-            <a:r>
-              <a:rPr lang="en-US" sz="1400" err="1">
+              <a:t> disorders.</a:t>
+            </a:r>
+            <a:r>
+              <a:rPr lang="en-US" sz="1400" dirty="0">
                 <a:latin typeface="Calibri Light"/>
                 <a:ea typeface="Calibri Light"/>
                 <a:cs typeface="Calibri Light"/>
               </a:rPr>
-              <a:t>Mutifactoral</a:t>
-            </a:r>
-            <a:r>
-              <a:rPr lang="en-US" sz="1400" kern="1200">
-                <a:latin typeface="Calibri Light"/>
-                <a:ea typeface="Calibri Light"/>
-                <a:cs typeface="Calibri Light"/>
-              </a:rPr>
-              <a:t> disorders.</a:t>
-            </a:r>
-            <a:r>
-              <a:rPr lang="en-US" sz="1400">
-                <a:latin typeface="Calibri Light"/>
-                <a:ea typeface="Calibri Light"/>
-                <a:cs typeface="Calibri Light"/>
-              </a:rPr>
               <a:t> </a:t>
             </a:r>
-            <a:endParaRPr lang="en-US" sz="1400">
+            <a:endParaRPr lang="en-US" sz="1400" dirty="0">
               <a:latin typeface="Calibri"/>
               <a:ea typeface="Calibri"/>
               <a:cs typeface="Calibri"/>
@@ -6813,7 +6754,7 @@
               <a:buFont typeface="Arial"/>
               <a:buChar char="•"/>
             </a:pPr>
-            <a:endParaRPr lang="en-US" sz="1400">
+            <a:endParaRPr lang="en-US" sz="1400" dirty="0">
               <a:latin typeface="Calibri Light"/>
               <a:ea typeface="Calibri" panose="020F0502020204030204"/>
               <a:cs typeface="Calibri" panose="020F0502020204030204"/>
@@ -6828,7 +6769,7 @@
               <a:buChar char="•"/>
             </a:pPr>
             <a:r>
-              <a:rPr lang="en-US" sz="1400" b="1">
+              <a:rPr lang="en-US" sz="1400" b="1" dirty="0">
                 <a:latin typeface="Calibri Light"/>
                 <a:ea typeface="Calibri Light"/>
                 <a:cs typeface="Calibri Light"/>
@@ -6836,7 +6777,7 @@
               <a:t>The number of female</a:t>
             </a:r>
             <a:r>
-              <a:rPr lang="en-US" sz="1400" b="1" kern="1200">
+              <a:rPr lang="en-US" sz="1400" b="1" kern="1200" dirty="0">
                 <a:latin typeface="Calibri Light"/>
                 <a:ea typeface="Calibri Light"/>
                 <a:cs typeface="Calibri Light"/>
@@ -6844,7 +6785,7 @@
               <a:t> patients </a:t>
             </a:r>
             <a:r>
-              <a:rPr lang="en-US" sz="1400" b="1">
+              <a:rPr lang="en-US" sz="1400" b="1" dirty="0">
                 <a:latin typeface="Calibri Light"/>
                 <a:ea typeface="Calibri Light"/>
                 <a:cs typeface="Calibri Light"/>
@@ -6852,38 +6793,22 @@
               <a:t>is</a:t>
             </a:r>
             <a:r>
-              <a:rPr lang="en-US" sz="1400" b="1" kern="1200">
+              <a:rPr lang="en-US" sz="1400" b="1" kern="1200" dirty="0">
                 <a:latin typeface="Calibri Light"/>
                 <a:ea typeface="Calibri Light"/>
                 <a:cs typeface="Calibri Light"/>
               </a:rPr>
-              <a:t> slightly higher than male patients in the cases of Mitochondrial and </a:t>
-            </a:r>
-            <a:r>
-              <a:rPr lang="en-US" sz="1400" b="1" kern="1200" err="1">
+              <a:t> slightly higher than male patients in the cases of Mitochondrial and Multifactorial </a:t>
+            </a:r>
+            <a:r>
+              <a:rPr lang="en-US" sz="1400" kern="1200" dirty="0">
                 <a:latin typeface="Calibri Light"/>
                 <a:ea typeface="Calibri Light"/>
                 <a:cs typeface="Calibri Light"/>
               </a:rPr>
-              <a:t>Multifactoral</a:t>
-            </a:r>
-            <a:r>
-              <a:rPr lang="en-US" sz="1400" b="1" kern="1200">
-                <a:latin typeface="Calibri Light"/>
-                <a:ea typeface="Calibri Light"/>
-                <a:cs typeface="Calibri Light"/>
-              </a:rPr>
-              <a:t> </a:t>
-            </a:r>
-            <a:r>
-              <a:rPr lang="en-US" sz="1400" kern="1200">
-                <a:latin typeface="Calibri Light"/>
-                <a:ea typeface="Calibri Light"/>
-                <a:cs typeface="Calibri Light"/>
-              </a:rPr>
               <a:t>genetic disorders.</a:t>
             </a:r>
-            <a:endParaRPr lang="en-US" sz="1400">
+            <a:endParaRPr lang="en-US" sz="1400" dirty="0">
               <a:latin typeface="Calibri Light"/>
               <a:ea typeface="Calibri Light"/>
               <a:cs typeface="Calibri Light"/>
@@ -6928,7 +6853,7 @@
               </a:spcAft>
             </a:pPr>
             <a:r>
-              <a:rPr lang="en-US" sz="1296" kern="1200">
+              <a:rPr lang="en-US" sz="1296" kern="1200" dirty="0">
                 <a:solidFill>
                   <a:schemeClr val="tx1"/>
                 </a:solidFill>
@@ -6939,7 +6864,7 @@
               </a:rPr>
               <a:t>Genetic disorder_dataset | Tableau Public</a:t>
             </a:r>
-            <a:endParaRPr lang="en-US"/>
+            <a:endParaRPr lang="en-US" dirty="0"/>
           </a:p>
         </p:txBody>
       </p:sp>
@@ -7041,7 +6966,7 @@
           <a:lstStyle/>
           <a:p>
             <a:pPr algn="ctr"/>
-            <a:endParaRPr lang="en-US"/>
+            <a:endParaRPr lang="en-US" dirty="0"/>
           </a:p>
         </p:txBody>
       </p:sp>
@@ -7110,7 +7035,7 @@
               <a:rPr lang="en-US" smtClean="0"/>
               <a:t>14</a:t>
             </a:fld>
-            <a:endParaRPr lang="en-US"/>
+            <a:endParaRPr lang="en-US" dirty="0"/>
           </a:p>
         </p:txBody>
       </p:sp>
@@ -7153,7 +7078,7 @@
               <a:buChar char="•"/>
             </a:pPr>
             <a:r>
-              <a:rPr lang="en-US" sz="1400" kern="1200">
+              <a:rPr lang="en-US" sz="1400" kern="1200" dirty="0">
                 <a:latin typeface="Calibri Light"/>
                 <a:ea typeface="+mn-lt"/>
                 <a:cs typeface="+mn-lt"/>
@@ -7161,7 +7086,7 @@
               <a:t>The </a:t>
             </a:r>
             <a:r>
-              <a:rPr lang="en-US" sz="1400" b="1" kern="1200">
+              <a:rPr lang="en-US" sz="1400" b="1" kern="1200" dirty="0">
                 <a:latin typeface="Calibri Light"/>
                 <a:ea typeface="+mn-lt"/>
                 <a:cs typeface="+mn-lt"/>
@@ -7169,7 +7094,7 @@
               <a:t>number of </a:t>
             </a:r>
             <a:r>
-              <a:rPr lang="en-US" sz="1400" b="1">
+              <a:rPr lang="en-US" sz="1400" b="1" dirty="0">
                 <a:latin typeface="Calibri Light"/>
                 <a:ea typeface="+mn-lt"/>
                 <a:cs typeface="+mn-lt"/>
@@ -7177,7 +7102,7 @@
               <a:t>patients alive is higher than deceased </a:t>
             </a:r>
             <a:r>
-              <a:rPr lang="en-US" sz="1400" b="1" kern="1200">
+              <a:rPr lang="en-US" sz="1400" b="1" kern="1200" dirty="0">
                 <a:latin typeface="Calibri Light"/>
                 <a:ea typeface="+mn-lt"/>
                 <a:cs typeface="+mn-lt"/>
@@ -7185,14 +7110,14 @@
               <a:t>patients in </a:t>
             </a:r>
             <a:r>
-              <a:rPr lang="en-US" sz="1400" b="1">
+              <a:rPr lang="en-US" sz="1400" b="1" dirty="0">
                 <a:latin typeface="Calibri Light"/>
                 <a:ea typeface="+mn-lt"/>
                 <a:cs typeface="+mn-lt"/>
               </a:rPr>
               <a:t>all three categories of genetic disorders. </a:t>
             </a:r>
-            <a:endParaRPr lang="en-US" b="1">
+            <a:endParaRPr lang="en-US" b="1" dirty="0">
               <a:ea typeface="Calibri"/>
               <a:cs typeface="Calibri"/>
             </a:endParaRPr>
@@ -7205,7 +7130,7 @@
               <a:buFont typeface="Arial"/>
               <a:buChar char="•"/>
             </a:pPr>
-            <a:endParaRPr lang="en-US" sz="1400">
+            <a:endParaRPr lang="en-US" sz="1400" dirty="0">
               <a:latin typeface="Calibri Light"/>
               <a:ea typeface="+mn-lt"/>
               <a:cs typeface="+mn-lt"/>
@@ -7220,7 +7145,7 @@
               <a:buChar char="•"/>
             </a:pPr>
             <a:r>
-              <a:rPr lang="en-US" sz="1400">
+              <a:rPr lang="en-US" sz="1400" dirty="0">
                 <a:latin typeface="Calibri Light"/>
                 <a:ea typeface="+mn-lt"/>
                 <a:cs typeface="+mn-lt"/>
@@ -7228,7 +7153,7 @@
               <a:t>Higher number of patients </a:t>
             </a:r>
             <a:r>
-              <a:rPr lang="en-US" sz="1400" kern="1200">
+              <a:rPr lang="en-US" sz="1400" kern="1200" dirty="0">
                 <a:latin typeface="Calibri Light"/>
                 <a:ea typeface="+mn-lt"/>
                 <a:cs typeface="+mn-lt"/>
@@ -7236,7 +7161,7 @@
               <a:t>diagnosed with single-gene </a:t>
             </a:r>
             <a:r>
-              <a:rPr lang="en-US" sz="1400">
+              <a:rPr lang="en-US" sz="1400" dirty="0">
                 <a:latin typeface="Calibri Light"/>
                 <a:ea typeface="+mn-lt"/>
                 <a:cs typeface="+mn-lt"/>
@@ -7244,7 +7169,7 @@
               <a:t>disorder require high follow-up </a:t>
             </a:r>
             <a:r>
-              <a:rPr lang="en-US" sz="1400" kern="1200">
+              <a:rPr lang="en-US" sz="1400" kern="1200" dirty="0">
                 <a:latin typeface="Calibri Light"/>
                 <a:ea typeface="+mn-lt"/>
                 <a:cs typeface="+mn-lt"/>
@@ -7252,7 +7177,7 @@
               <a:t>and </a:t>
             </a:r>
             <a:r>
-              <a:rPr lang="en-US" sz="1400">
+              <a:rPr lang="en-US" sz="1400" dirty="0">
                 <a:latin typeface="Calibri Light"/>
                 <a:ea typeface="+mn-lt"/>
                 <a:cs typeface="+mn-lt"/>
@@ -7260,7 +7185,7 @@
               <a:t>also have multiple birth defects</a:t>
             </a:r>
             <a:r>
-              <a:rPr lang="en-US" sz="1400" kern="1200">
+              <a:rPr lang="en-US" sz="1400" kern="1200" dirty="0">
                 <a:latin typeface="Calibri Light"/>
                 <a:ea typeface="+mn-lt"/>
                 <a:cs typeface="+mn-lt"/>
@@ -7268,14 +7193,14 @@
               <a:t>.</a:t>
             </a:r>
             <a:r>
-              <a:rPr lang="en-US" sz="1400">
+              <a:rPr lang="en-US" sz="1400" dirty="0">
                 <a:latin typeface="Calibri Light"/>
                 <a:ea typeface="+mn-lt"/>
                 <a:cs typeface="+mn-lt"/>
               </a:rPr>
               <a:t> </a:t>
             </a:r>
-            <a:endParaRPr lang="en-US">
+            <a:endParaRPr lang="en-US" dirty="0">
               <a:latin typeface="Calibri" panose="020F0502020204030204"/>
               <a:ea typeface="+mn-lt"/>
               <a:cs typeface="+mn-lt"/>
@@ -7289,7 +7214,7 @@
               <a:buFont typeface="Arial"/>
               <a:buChar char="•"/>
             </a:pPr>
-            <a:endParaRPr lang="en-US" sz="1400">
+            <a:endParaRPr lang="en-US" sz="1400" dirty="0">
               <a:latin typeface="Calibri Light"/>
               <a:ea typeface="+mn-lt"/>
               <a:cs typeface="+mn-lt"/>
@@ -7304,7 +7229,7 @@
               <a:buChar char="•"/>
             </a:pPr>
             <a:r>
-              <a:rPr lang="en-US" sz="1400">
+              <a:rPr lang="en-US" sz="1400" dirty="0">
                 <a:latin typeface="Calibri Light"/>
                 <a:ea typeface="+mn-lt"/>
                 <a:cs typeface="+mn-lt"/>
@@ -7312,7 +7237,7 @@
               <a:t>For the other two categories, </a:t>
             </a:r>
             <a:r>
-              <a:rPr lang="en-US" sz="1400" kern="1200">
+              <a:rPr lang="en-US" sz="1400" kern="1200" dirty="0">
                 <a:latin typeface="Calibri Light"/>
                 <a:ea typeface="+mn-lt"/>
                 <a:cs typeface="+mn-lt"/>
@@ -7320,7 +7245,7 @@
               <a:t>higher </a:t>
             </a:r>
             <a:r>
-              <a:rPr lang="en-US" sz="1400">
+              <a:rPr lang="en-US" sz="1400" dirty="0">
                 <a:latin typeface="Calibri Light"/>
                 <a:ea typeface="+mn-lt"/>
                 <a:cs typeface="+mn-lt"/>
@@ -7328,7 +7253,7 @@
               <a:t>number of </a:t>
             </a:r>
             <a:r>
-              <a:rPr lang="en-US" sz="1400" kern="1200">
+              <a:rPr lang="en-US" sz="1400" kern="1200" dirty="0">
                 <a:latin typeface="Calibri Light"/>
                 <a:ea typeface="+mn-lt"/>
                 <a:cs typeface="+mn-lt"/>
@@ -7336,7 +7261,7 @@
               <a:t>patients </a:t>
             </a:r>
             <a:r>
-              <a:rPr lang="en-US" sz="1400">
+              <a:rPr lang="en-US" sz="1400" dirty="0">
                 <a:latin typeface="Calibri Light"/>
                 <a:ea typeface="+mn-lt"/>
                 <a:cs typeface="+mn-lt"/>
@@ -7344,7 +7269,7 @@
               <a:t>need low follow-up </a:t>
             </a:r>
             <a:r>
-              <a:rPr lang="en-US" sz="1400" kern="1200">
+              <a:rPr lang="en-US" sz="1400" kern="1200" dirty="0">
                 <a:latin typeface="Calibri Light"/>
                 <a:ea typeface="+mn-lt"/>
                 <a:cs typeface="+mn-lt"/>
@@ -7352,7 +7277,7 @@
               <a:t>and </a:t>
             </a:r>
             <a:r>
-              <a:rPr lang="en-US" sz="1400">
+              <a:rPr lang="en-US" sz="1400" dirty="0">
                 <a:latin typeface="Calibri Light"/>
                 <a:ea typeface="+mn-lt"/>
                 <a:cs typeface="+mn-lt"/>
@@ -7360,14 +7285,14 @@
               <a:t>are diagnosed with singular birth defects</a:t>
             </a:r>
             <a:r>
-              <a:rPr lang="en-US" sz="1400" kern="1200">
+              <a:rPr lang="en-US" sz="1400" kern="1200" dirty="0">
                 <a:latin typeface="Calibri Light"/>
                 <a:ea typeface="+mn-lt"/>
                 <a:cs typeface="+mn-lt"/>
               </a:rPr>
               <a:t>.</a:t>
             </a:r>
-            <a:endParaRPr lang="en-US">
+            <a:endParaRPr lang="en-US" dirty="0">
               <a:ea typeface="Calibri"/>
               <a:cs typeface="Calibri"/>
             </a:endParaRPr>
@@ -7411,7 +7336,7 @@
               </a:spcAft>
             </a:pPr>
             <a:r>
-              <a:rPr lang="en-US" sz="1296" kern="1200">
+              <a:rPr lang="en-US" sz="1296" kern="1200" dirty="0">
                 <a:solidFill>
                   <a:schemeClr val="tx1"/>
                 </a:solidFill>
@@ -7422,7 +7347,7 @@
               </a:rPr>
               <a:t>Genetic disorder_dataset | Tableau Public</a:t>
             </a:r>
-            <a:endParaRPr lang="en-US"/>
+            <a:endParaRPr lang="en-US" dirty="0"/>
           </a:p>
         </p:txBody>
       </p:sp>
@@ -7584,7 +7509,7 @@
           <a:lstStyle/>
           <a:p>
             <a:pPr algn="ctr"/>
-            <a:endParaRPr lang="en-US"/>
+            <a:endParaRPr lang="en-US" dirty="0"/>
           </a:p>
         </p:txBody>
       </p:sp>
@@ -7653,7 +7578,7 @@
               <a:rPr lang="en-US" smtClean="0"/>
               <a:t>15</a:t>
             </a:fld>
-            <a:endParaRPr lang="en-US"/>
+            <a:endParaRPr lang="en-US" dirty="0"/>
           </a:p>
         </p:txBody>
       </p:sp>
@@ -7754,7 +7679,7 @@
               </a:spcAft>
             </a:pPr>
             <a:r>
-              <a:rPr lang="en-US" sz="1296" kern="1200">
+              <a:rPr lang="en-US" sz="1296" kern="1200" dirty="0">
                 <a:solidFill>
                   <a:schemeClr val="tx1"/>
                 </a:solidFill>
@@ -7765,7 +7690,7 @@
               </a:rPr>
               <a:t>Genetic disorder_dataset | Tableau Public</a:t>
             </a:r>
-            <a:endParaRPr lang="en-US"/>
+            <a:endParaRPr lang="en-US" dirty="0"/>
           </a:p>
         </p:txBody>
       </p:sp>
@@ -7808,7 +7733,7 @@
               <a:buChar char="•"/>
             </a:pPr>
             <a:r>
-              <a:rPr lang="en-US" sz="1400">
+              <a:rPr lang="en-US" sz="1400" dirty="0">
                 <a:latin typeface="Calibri Light"/>
                 <a:ea typeface="+mn-lt"/>
                 <a:cs typeface="+mn-lt"/>
@@ -7816,7 +7741,7 @@
               <a:t>Slightly </a:t>
             </a:r>
             <a:r>
-              <a:rPr lang="en-US" sz="1400" b="1">
+              <a:rPr lang="en-US" sz="1400" b="1" dirty="0">
                 <a:latin typeface="Calibri Light"/>
                 <a:ea typeface="+mn-lt"/>
                 <a:cs typeface="+mn-lt"/>
@@ -7824,7 +7749,7 @@
               <a:t>higher number of patients </a:t>
             </a:r>
             <a:r>
-              <a:rPr lang="en-US" sz="1400" b="1" kern="1200">
+              <a:rPr lang="en-US" sz="1400" b="1" kern="1200" dirty="0">
                 <a:latin typeface="Calibri Light"/>
                 <a:ea typeface="+mn-lt"/>
                 <a:cs typeface="+mn-lt"/>
@@ -7832,7 +7757,7 @@
               <a:t>diagnosed with </a:t>
             </a:r>
             <a:r>
-              <a:rPr lang="en-US" sz="1400" b="1">
+              <a:rPr lang="en-US" sz="1400" b="1" dirty="0">
                 <a:latin typeface="Calibri Light"/>
                 <a:ea typeface="+mn-lt"/>
                 <a:cs typeface="+mn-lt"/>
@@ -7840,7 +7765,7 @@
               <a:t>Mitochondrial </a:t>
             </a:r>
             <a:r>
-              <a:rPr lang="en-US" sz="1400" b="1" kern="1200">
+              <a:rPr lang="en-US" sz="1400" b="1" kern="1200" dirty="0">
                 <a:latin typeface="Calibri Light"/>
                 <a:ea typeface="+mn-lt"/>
                 <a:cs typeface="+mn-lt"/>
@@ -7848,7 +7773,7 @@
               <a:t>and </a:t>
             </a:r>
             <a:r>
-              <a:rPr lang="en-US" sz="1400" b="1">
+              <a:rPr lang="en-US" sz="1400" b="1" dirty="0">
                 <a:latin typeface="Calibri Light"/>
                 <a:ea typeface="+mn-lt"/>
                 <a:cs typeface="+mn-lt"/>
@@ -7856,7 +7781,7 @@
               <a:t>Single-gene disorders</a:t>
             </a:r>
             <a:r>
-              <a:rPr lang="en-US" sz="1400">
+              <a:rPr lang="en-US" sz="1400" dirty="0">
                 <a:latin typeface="Calibri Light"/>
                 <a:ea typeface="+mn-lt"/>
                 <a:cs typeface="+mn-lt"/>
@@ -7864,14 +7789,14 @@
               <a:t> </a:t>
             </a:r>
             <a:r>
-              <a:rPr lang="en-US" sz="1400" b="1">
+              <a:rPr lang="en-US" sz="1400" b="1" dirty="0">
                 <a:latin typeface="Calibri Light"/>
                 <a:ea typeface="+mn-lt"/>
                 <a:cs typeface="+mn-lt"/>
               </a:rPr>
               <a:t>were:</a:t>
             </a:r>
-            <a:endParaRPr lang="en-US">
+            <a:endParaRPr lang="en-US" dirty="0">
               <a:latin typeface="Calibri" panose="020F0502020204030204"/>
               <a:ea typeface="+mn-lt"/>
               <a:cs typeface="+mn-lt"/>
@@ -7883,7 +7808,7 @@
                 <a:spcPts val="600"/>
               </a:spcAft>
             </a:pPr>
-            <a:endParaRPr lang="en-US" sz="1400" b="1">
+            <a:endParaRPr lang="en-US" sz="1400" b="1" dirty="0">
               <a:latin typeface="Calibri Light"/>
               <a:ea typeface="+mn-lt"/>
               <a:cs typeface="+mn-lt"/>
@@ -7896,7 +7821,7 @@
               </a:spcAft>
             </a:pPr>
             <a:r>
-              <a:rPr lang="en-US" sz="1400" b="1">
+              <a:rPr lang="en-US" sz="1400" b="1" dirty="0">
                 <a:latin typeface="Calibri Light"/>
                 <a:ea typeface="+mn-lt"/>
                 <a:cs typeface="+mn-lt"/>
@@ -7904,7 +7829,7 @@
               <a:t>(1) conceived with</a:t>
             </a:r>
             <a:r>
-              <a:rPr lang="en-US" sz="1400">
+              <a:rPr lang="en-US" sz="1400" dirty="0">
                 <a:latin typeface="Calibri Light"/>
                 <a:ea typeface="+mn-lt"/>
                 <a:cs typeface="+mn-lt"/>
@@ -7912,7 +7837,7 @@
               <a:t>  </a:t>
             </a:r>
             <a:r>
-              <a:rPr lang="en-US" sz="1400" b="1">
+              <a:rPr lang="en-US" sz="1400" b="1" dirty="0">
                 <a:latin typeface="Calibri Light"/>
                 <a:ea typeface="+mn-lt"/>
                 <a:cs typeface="+mn-lt"/>
@@ -7920,14 +7845,14 @@
               <a:t>IVF/ART</a:t>
             </a:r>
             <a:r>
-              <a:rPr lang="en-US" sz="1400">
+              <a:rPr lang="en-US" sz="1400" dirty="0">
                 <a:latin typeface="Calibri Light"/>
                 <a:ea typeface="+mn-lt"/>
                 <a:cs typeface="+mn-lt"/>
               </a:rPr>
               <a:t>,</a:t>
             </a:r>
-            <a:endParaRPr lang="en-US">
+            <a:endParaRPr lang="en-US" dirty="0">
               <a:latin typeface="Calibri" panose="020F0502020204030204"/>
               <a:ea typeface="+mn-lt"/>
               <a:cs typeface="+mn-lt"/>
@@ -7940,30 +7865,22 @@
               </a:spcAft>
             </a:pPr>
             <a:r>
-              <a:rPr lang="en-US" sz="1400">
+              <a:rPr lang="en-US" sz="1400" b="1" dirty="0">
                 <a:latin typeface="Calibri Light"/>
                 <a:ea typeface="+mn-lt"/>
                 <a:cs typeface="+mn-lt"/>
               </a:rPr>
-              <a:t>(2)  </a:t>
-            </a:r>
-            <a:r>
-              <a:rPr lang="en-US" sz="1400" b="1">
+              <a:t>(2)  born at home</a:t>
+            </a:r>
+            <a:r>
+              <a:rPr lang="en-US" sz="1400" dirty="0">
                 <a:latin typeface="Calibri Light"/>
                 <a:ea typeface="+mn-lt"/>
                 <a:cs typeface="+mn-lt"/>
               </a:rPr>
-              <a:t>born at home</a:t>
-            </a:r>
-            <a:r>
-              <a:rPr lang="en-US" sz="1400">
-                <a:latin typeface="Calibri Light"/>
-                <a:ea typeface="+mn-lt"/>
-                <a:cs typeface="+mn-lt"/>
-              </a:rPr>
               <a:t>, </a:t>
             </a:r>
-            <a:endParaRPr lang="en-US">
+            <a:endParaRPr lang="en-US" dirty="0">
               <a:latin typeface="Calibri" panose="020F0502020204030204"/>
               <a:ea typeface="+mn-lt"/>
               <a:cs typeface="+mn-lt"/>
@@ -7976,14 +7893,14 @@
               </a:spcAft>
             </a:pPr>
             <a:r>
-              <a:rPr lang="en-US" sz="1400">
+              <a:rPr lang="en-US" sz="1400" dirty="0">
                 <a:latin typeface="Calibri Light"/>
                 <a:ea typeface="+mn-lt"/>
                 <a:cs typeface="+mn-lt"/>
               </a:rPr>
               <a:t>(3) with history of anomalies in their families' previous pregnancy. </a:t>
             </a:r>
-            <a:endParaRPr lang="en-US">
+            <a:endParaRPr lang="en-US" dirty="0">
               <a:ea typeface="Calibri" panose="020F0502020204030204"/>
               <a:cs typeface="Calibri" panose="020F0502020204030204"/>
             </a:endParaRPr>
@@ -7996,7 +7913,7 @@
               <a:buFont typeface="Arial"/>
               <a:buChar char="•"/>
             </a:pPr>
-            <a:endParaRPr lang="en-US" sz="1400">
+            <a:endParaRPr lang="en-US" sz="1400" dirty="0">
               <a:latin typeface="Calibri Light"/>
               <a:ea typeface="+mn-lt"/>
               <a:cs typeface="+mn-lt"/>
@@ -8011,7 +7928,7 @@
               <a:buChar char="•"/>
             </a:pPr>
             <a:r>
-              <a:rPr lang="en-US" sz="1400">
+              <a:rPr lang="en-US" sz="1400" dirty="0">
                 <a:latin typeface="Calibri Light"/>
                 <a:ea typeface="+mn-lt"/>
                 <a:cs typeface="+mn-lt"/>
@@ -8019,14 +7936,14 @@
               <a:t>These numbers are lower for patients diagnosed with Multifactorial disorders</a:t>
             </a:r>
             <a:r>
-              <a:rPr lang="en-US" sz="1400" kern="1200">
+              <a:rPr lang="en-US" sz="1400" kern="1200" dirty="0">
                 <a:latin typeface="Calibri Light"/>
                 <a:ea typeface="+mn-lt"/>
                 <a:cs typeface="+mn-lt"/>
               </a:rPr>
               <a:t>.</a:t>
             </a:r>
-            <a:endParaRPr lang="en-US" sz="1400">
+            <a:endParaRPr lang="en-US" sz="1400" dirty="0">
               <a:latin typeface="Calibri Light"/>
               <a:ea typeface="+mn-lt"/>
               <a:cs typeface="+mn-lt"/>
@@ -8132,7 +8049,7 @@
           <a:lstStyle/>
           <a:p>
             <a:pPr algn="ctr"/>
-            <a:endParaRPr lang="en-US"/>
+            <a:endParaRPr lang="en-US" dirty="0"/>
           </a:p>
         </p:txBody>
       </p:sp>
@@ -8201,7 +8118,7 @@
               <a:rPr lang="en-US" smtClean="0"/>
               <a:t>16</a:t>
             </a:fld>
-            <a:endParaRPr lang="en-US"/>
+            <a:endParaRPr lang="en-US" dirty="0"/>
           </a:p>
         </p:txBody>
       </p:sp>
@@ -8302,7 +8219,7 @@
               </a:spcAft>
             </a:pPr>
             <a:r>
-              <a:rPr lang="en-US" sz="1296" kern="1200">
+              <a:rPr lang="en-US" sz="1296" kern="1200" dirty="0">
                 <a:solidFill>
                   <a:schemeClr val="tx1"/>
                 </a:solidFill>
@@ -8313,7 +8230,7 @@
               </a:rPr>
               <a:t>Genetic disorder_dataset | Tableau Public</a:t>
             </a:r>
-            <a:endParaRPr lang="en-US"/>
+            <a:endParaRPr lang="en-US" dirty="0"/>
           </a:p>
         </p:txBody>
       </p:sp>
@@ -8356,30 +8273,14 @@
               <a:buChar char="•"/>
             </a:pPr>
             <a:r>
-              <a:rPr lang="en-US" sz="1400" b="1">
+              <a:rPr lang="en-US" sz="1400" dirty="0">
                 <a:latin typeface="Calibri Light"/>
                 <a:ea typeface="+mn-lt"/>
                 <a:cs typeface="+mn-lt"/>
               </a:rPr>
-              <a:t>In all three categories</a:t>
-            </a:r>
-            <a:r>
-              <a:rPr lang="en-US" sz="1400">
-                <a:latin typeface="Calibri Light"/>
-                <a:ea typeface="+mn-lt"/>
-                <a:cs typeface="+mn-lt"/>
-              </a:rPr>
-              <a:t> of genetic disorder, </a:t>
-            </a:r>
-            <a:r>
-              <a:rPr lang="en-US" sz="1400" b="1">
-                <a:latin typeface="Calibri Light"/>
-                <a:ea typeface="+mn-lt"/>
-                <a:cs typeface="+mn-lt"/>
-              </a:rPr>
-              <a:t>there were two previous abortions on average. </a:t>
-            </a:r>
-            <a:endParaRPr lang="en-US" b="1">
+              <a:t>In all three categories of genetic disorder, there were two previous abortions on average. </a:t>
+            </a:r>
+            <a:endParaRPr lang="en-US" dirty="0">
               <a:latin typeface="Calibri Light"/>
               <a:ea typeface="+mn-lt"/>
               <a:cs typeface="+mn-lt"/>
@@ -8393,7 +8294,7 @@
               <a:buFont typeface="Arial"/>
               <a:buChar char="•"/>
             </a:pPr>
-            <a:endParaRPr lang="en-US" sz="1400">
+            <a:endParaRPr lang="en-US" sz="1400" dirty="0">
               <a:latin typeface="Calibri Light"/>
               <a:ea typeface="+mn-lt"/>
               <a:cs typeface="+mn-lt"/>
@@ -8408,7 +8309,7 @@
               <a:buChar char="•"/>
             </a:pPr>
             <a:r>
-              <a:rPr lang="en-US" sz="1400">
+              <a:rPr lang="en-US" sz="1400" dirty="0">
                 <a:latin typeface="Calibri Light"/>
                 <a:ea typeface="+mn-lt"/>
                 <a:cs typeface="+mn-lt"/>
@@ -8416,7 +8317,7 @@
               <a:t>The </a:t>
             </a:r>
             <a:r>
-              <a:rPr lang="en-US" sz="1400" b="1">
+              <a:rPr lang="en-US" sz="1400" b="1" dirty="0">
                 <a:latin typeface="Calibri Light"/>
                 <a:ea typeface="+mn-lt"/>
                 <a:cs typeface="+mn-lt"/>
@@ -8424,7 +8325,7 @@
               <a:t>number of patients </a:t>
             </a:r>
             <a:r>
-              <a:rPr lang="en-US" sz="1400" b="1" kern="1200">
+              <a:rPr lang="en-US" sz="1400" b="1" kern="1200" dirty="0">
                 <a:latin typeface="Calibri Light"/>
                 <a:ea typeface="+mn-lt"/>
                 <a:cs typeface="+mn-lt"/>
@@ -8432,14 +8333,14 @@
               <a:t>with </a:t>
             </a:r>
             <a:r>
-              <a:rPr lang="en-US" sz="1400" b="1">
+              <a:rPr lang="en-US" sz="1400" b="1" dirty="0">
                 <a:latin typeface="Calibri Light"/>
                 <a:ea typeface="+mn-lt"/>
                 <a:cs typeface="+mn-lt"/>
               </a:rPr>
               <a:t>birth asphyxia is slightly higher in all three cases.</a:t>
             </a:r>
-            <a:endParaRPr lang="en-US" b="1">
+            <a:endParaRPr lang="en-US" b="1" dirty="0">
               <a:latin typeface="Calibri Light"/>
               <a:ea typeface="+mn-lt"/>
               <a:cs typeface="+mn-lt"/>
@@ -8453,7 +8354,7 @@
               <a:buFont typeface="Arial"/>
               <a:buChar char="•"/>
             </a:pPr>
-            <a:endParaRPr lang="en-US" sz="1400">
+            <a:endParaRPr lang="en-US" sz="1400" dirty="0">
               <a:latin typeface="Calibri Light"/>
               <a:ea typeface="+mn-lt"/>
               <a:cs typeface="+mn-lt"/>
@@ -8468,7 +8369,7 @@
               <a:buChar char="•"/>
             </a:pPr>
             <a:r>
-              <a:rPr lang="en-US" sz="1400">
+              <a:rPr lang="en-US" sz="1400" dirty="0">
                 <a:latin typeface="Calibri Light"/>
                 <a:ea typeface="+mn-lt"/>
                 <a:cs typeface="+mn-lt"/>
@@ -8476,7 +8377,7 @@
               <a:t>The </a:t>
             </a:r>
             <a:r>
-              <a:rPr lang="en-US" sz="1400" b="1">
+              <a:rPr lang="en-US" sz="1400" b="1" dirty="0">
                 <a:latin typeface="Calibri Light"/>
                 <a:ea typeface="+mn-lt"/>
                 <a:cs typeface="+mn-lt"/>
@@ -8484,7 +8385,7 @@
               <a:t>number of patients with combination of abnormal, inconclusive </a:t>
             </a:r>
             <a:r>
-              <a:rPr lang="en-US" sz="1400" b="1" kern="1200">
+              <a:rPr lang="en-US" sz="1400" b="1" kern="1200" dirty="0">
                 <a:latin typeface="Calibri Light"/>
                 <a:ea typeface="+mn-lt"/>
                 <a:cs typeface="+mn-lt"/>
@@ -8492,7 +8393,7 @@
               <a:t>and </a:t>
             </a:r>
             <a:r>
-              <a:rPr lang="en-US" sz="1400" b="1">
+              <a:rPr lang="en-US" sz="1400" b="1" dirty="0">
                 <a:latin typeface="Calibri Light"/>
                 <a:ea typeface="+mn-lt"/>
                 <a:cs typeface="+mn-lt"/>
@@ -8500,7 +8401,7 @@
               <a:t>slightly abnormal blood test results</a:t>
             </a:r>
             <a:r>
-              <a:rPr lang="en-US" sz="1400">
+              <a:rPr lang="en-US" sz="1400" dirty="0">
                 <a:latin typeface="Calibri Light"/>
                 <a:ea typeface="+mn-lt"/>
                 <a:cs typeface="+mn-lt"/>
@@ -8508,7 +8409,7 @@
               <a:t> are </a:t>
             </a:r>
             <a:r>
-              <a:rPr lang="en-US" sz="1400" b="1">
+              <a:rPr lang="en-US" sz="1400" b="1" dirty="0">
                 <a:latin typeface="Calibri Light"/>
                 <a:ea typeface="+mn-lt"/>
                 <a:cs typeface="+mn-lt"/>
@@ -8516,7 +8417,7 @@
               <a:t>higher </a:t>
             </a:r>
             <a:r>
-              <a:rPr lang="en-US" sz="1400">
+              <a:rPr lang="en-US" sz="1400" dirty="0">
                 <a:latin typeface="Calibri Light"/>
                 <a:ea typeface="+mn-lt"/>
                 <a:cs typeface="+mn-lt"/>
@@ -8524,14 +8425,14 @@
               <a:t>for all three cases of disorder</a:t>
             </a:r>
             <a:r>
-              <a:rPr lang="en-US" sz="1400" kern="1200">
+              <a:rPr lang="en-US" sz="1400" kern="1200" dirty="0">
                 <a:latin typeface="Calibri Light"/>
                 <a:ea typeface="+mn-lt"/>
                 <a:cs typeface="+mn-lt"/>
               </a:rPr>
               <a:t>.</a:t>
             </a:r>
-            <a:endParaRPr lang="en-US">
+            <a:endParaRPr lang="en-US" dirty="0">
               <a:latin typeface="Calibri Light"/>
               <a:ea typeface="+mn-lt"/>
               <a:cs typeface="+mn-lt"/>
@@ -8637,7 +8538,7 @@
           <a:lstStyle/>
           <a:p>
             <a:pPr algn="ctr"/>
-            <a:endParaRPr lang="en-US"/>
+            <a:endParaRPr lang="en-US" dirty="0"/>
           </a:p>
         </p:txBody>
       </p:sp>
@@ -8706,7 +8607,7 @@
               <a:rPr lang="en-US" smtClean="0"/>
               <a:t>17</a:t>
             </a:fld>
-            <a:endParaRPr lang="en-US"/>
+            <a:endParaRPr lang="en-US" dirty="0"/>
           </a:p>
         </p:txBody>
       </p:sp>
@@ -8763,7 +8664,7 @@
         <p:spPr>
           <a:xfrm>
             <a:off x="3718560" y="4734399"/>
-            <a:ext cx="4511040" cy="1920561"/>
+            <a:ext cx="4622800" cy="1971361"/>
           </a:xfrm>
           <a:prstGeom prst="rect">
             <a:avLst/>
@@ -8807,7 +8708,7 @@
               </a:spcAft>
             </a:pPr>
             <a:r>
-              <a:rPr lang="en-US" sz="1296" kern="1200">
+              <a:rPr lang="en-US" sz="1296" kern="1200" dirty="0">
                 <a:solidFill>
                   <a:schemeClr val="tx1"/>
                 </a:solidFill>
@@ -8818,7 +8719,7 @@
               </a:rPr>
               <a:t>Genetic disorder_dataset | Tableau Public</a:t>
             </a:r>
-            <a:endParaRPr lang="en-US"/>
+            <a:endParaRPr lang="en-US" dirty="0"/>
           </a:p>
         </p:txBody>
       </p:sp>
@@ -8861,7 +8762,7 @@
               <a:buChar char="•"/>
             </a:pPr>
             <a:r>
-              <a:rPr lang="en-US" sz="1400">
+              <a:rPr lang="en-US" sz="1400" dirty="0">
                 <a:latin typeface="Calibri Light"/>
                 <a:ea typeface="+mn-lt"/>
                 <a:cs typeface="+mn-lt"/>
@@ -8876,7 +8777,7 @@
               </a:spcAft>
             </a:pPr>
             <a:r>
-              <a:rPr lang="en-US" sz="1400">
+              <a:rPr lang="en-US" sz="1400" dirty="0">
                 <a:latin typeface="Calibri Light"/>
                 <a:ea typeface="+mn-lt"/>
                 <a:cs typeface="+mn-lt"/>
@@ -8884,7 +8785,7 @@
               <a:t>(1) the </a:t>
             </a:r>
             <a:r>
-              <a:rPr lang="en-US" sz="1400" b="1">
+              <a:rPr lang="en-US" sz="1400" b="1" dirty="0">
                 <a:latin typeface="Calibri Light"/>
                 <a:ea typeface="+mn-lt"/>
                 <a:cs typeface="+mn-lt"/>
@@ -8892,7 +8793,7 @@
               <a:t>number of patients </a:t>
             </a:r>
             <a:r>
-              <a:rPr lang="en-US" sz="1400" b="1" kern="1200">
+              <a:rPr lang="en-US" sz="1400" b="1" kern="1200" dirty="0">
                 <a:latin typeface="Calibri Light"/>
                 <a:ea typeface="+mn-lt"/>
                 <a:cs typeface="+mn-lt"/>
@@ -8900,7 +8801,7 @@
               <a:t>with </a:t>
             </a:r>
             <a:r>
-              <a:rPr lang="en-US" sz="1400" b="1">
+              <a:rPr lang="en-US" sz="1400" b="1" dirty="0">
                 <a:latin typeface="Calibri Light"/>
                 <a:ea typeface="+mn-lt"/>
                 <a:cs typeface="+mn-lt"/>
@@ -8908,7 +8809,7 @@
               <a:t>radiation exposure is lower</a:t>
             </a:r>
             <a:r>
-              <a:rPr lang="en-US" sz="1400">
+              <a:rPr lang="en-US" sz="1400" dirty="0">
                 <a:latin typeface="Calibri Light"/>
                 <a:ea typeface="+mn-lt"/>
                 <a:cs typeface="+mn-lt"/>
@@ -8922,7 +8823,7 @@
                 <a:spcPts val="600"/>
               </a:spcAft>
             </a:pPr>
-            <a:endParaRPr lang="en-US" sz="1400">
+            <a:endParaRPr lang="en-US" sz="1400" dirty="0">
               <a:latin typeface="Calibri Light"/>
               <a:ea typeface="+mn-lt"/>
               <a:cs typeface="+mn-lt"/>
@@ -8935,7 +8836,7 @@
               </a:spcAft>
             </a:pPr>
             <a:r>
-              <a:rPr lang="en-US" sz="1400">
+              <a:rPr lang="en-US" sz="1400" dirty="0">
                 <a:latin typeface="Calibri Light"/>
                 <a:ea typeface="+mn-lt"/>
                 <a:cs typeface="+mn-lt"/>
@@ -8943,7 +8844,7 @@
               <a:t>(2) slightly higher number of patients have normal heart rates, while the remaining half patients have Tachycardia, </a:t>
             </a:r>
             <a:r>
-              <a:rPr lang="en-US" sz="1400" kern="1200">
+              <a:rPr lang="en-US" sz="1400" kern="1200" dirty="0">
                 <a:latin typeface="Calibri Light"/>
                 <a:ea typeface="+mn-lt"/>
                 <a:cs typeface="+mn-lt"/>
@@ -8951,7 +8852,7 @@
               <a:t>and</a:t>
             </a:r>
             <a:r>
-              <a:rPr lang="en-US" sz="1400">
+              <a:rPr lang="en-US" sz="1400" dirty="0">
                 <a:latin typeface="Calibri Light"/>
                 <a:ea typeface="+mn-lt"/>
                 <a:cs typeface="+mn-lt"/>
@@ -8965,7 +8866,7 @@
                 <a:spcPts val="600"/>
               </a:spcAft>
             </a:pPr>
-            <a:endParaRPr lang="en-US" sz="1400">
+            <a:endParaRPr lang="en-US" sz="1400" dirty="0">
               <a:latin typeface="Calibri Light"/>
               <a:ea typeface="+mn-lt"/>
               <a:cs typeface="+mn-lt"/>
@@ -8978,7 +8879,7 @@
               </a:spcAft>
             </a:pPr>
             <a:r>
-              <a:rPr lang="en-US" sz="1400">
+              <a:rPr lang="en-US" sz="1400" dirty="0">
                 <a:latin typeface="Calibri Light"/>
                 <a:ea typeface="+mn-lt"/>
                 <a:cs typeface="+mn-lt"/>
@@ -8986,14 +8887,14 @@
               <a:t>(3) slightly higher number of patients have Tachypnea, while the remaining half patients have normal respiratory rates</a:t>
             </a:r>
             <a:r>
-              <a:rPr lang="en-US" sz="1400" kern="1200">
+              <a:rPr lang="en-US" sz="1400" kern="1200" dirty="0">
                 <a:latin typeface="Calibri Light"/>
                 <a:ea typeface="+mn-lt"/>
                 <a:cs typeface="+mn-lt"/>
               </a:rPr>
               <a:t>.</a:t>
             </a:r>
-            <a:endParaRPr lang="en-US" sz="1400">
+            <a:endParaRPr lang="en-US" sz="1400" dirty="0">
               <a:latin typeface="Calibri Light"/>
               <a:ea typeface="+mn-lt"/>
               <a:cs typeface="+mn-lt"/>
@@ -9099,7 +9000,7 @@
           <a:lstStyle/>
           <a:p>
             <a:pPr algn="ctr"/>
-            <a:endParaRPr lang="en-US"/>
+            <a:endParaRPr lang="en-US" dirty="0"/>
           </a:p>
         </p:txBody>
       </p:sp>
@@ -9168,7 +9069,7 @@
               <a:rPr lang="en-US" smtClean="0"/>
               <a:t>18</a:t>
             </a:fld>
-            <a:endParaRPr lang="en-US"/>
+            <a:endParaRPr lang="en-US" dirty="0"/>
           </a:p>
         </p:txBody>
       </p:sp>
@@ -9299,7 +9200,7 @@
               </a:spcAft>
             </a:pPr>
             <a:r>
-              <a:rPr lang="en-US" sz="1296" kern="1200">
+              <a:rPr lang="en-US" sz="1296" kern="1200" dirty="0">
                 <a:solidFill>
                   <a:schemeClr val="tx1"/>
                 </a:solidFill>
@@ -9310,7 +9211,7 @@
               </a:rPr>
               <a:t>Genetic disorder_dataset | Tableau Public</a:t>
             </a:r>
-            <a:endParaRPr lang="en-US"/>
+            <a:endParaRPr lang="en-US" dirty="0"/>
           </a:p>
         </p:txBody>
       </p:sp>
@@ -9353,14 +9254,14 @@
               <a:buChar char="•"/>
             </a:pPr>
             <a:r>
-              <a:rPr lang="en-US" sz="1400">
+              <a:rPr lang="en-US" sz="1400" dirty="0">
                 <a:latin typeface="Calibri Light"/>
                 <a:ea typeface="+mn-lt"/>
                 <a:cs typeface="+mn-lt"/>
               </a:rPr>
               <a:t>Average white blood cell count of patients is around 7.4. Patients diagnosed with single-gene inheritance have higher counts. </a:t>
             </a:r>
-            <a:endParaRPr lang="en-US">
+            <a:endParaRPr lang="en-US" dirty="0">
               <a:latin typeface="Calibri" panose="020F0502020204030204"/>
               <a:ea typeface="+mn-lt"/>
               <a:cs typeface="+mn-lt"/>
@@ -9374,7 +9275,7 @@
               <a:buFont typeface="Arial"/>
               <a:buChar char="•"/>
             </a:pPr>
-            <a:endParaRPr lang="en-US" sz="1400">
+            <a:endParaRPr lang="en-US" sz="1400" dirty="0">
               <a:latin typeface="Calibri Light"/>
               <a:ea typeface="+mn-lt"/>
               <a:cs typeface="+mn-lt"/>
@@ -9389,22 +9290,14 @@
               <a:buChar char="•"/>
             </a:pPr>
             <a:r>
-              <a:rPr lang="en-US" sz="1400" b="1">
+              <a:rPr lang="en-US" sz="1400" dirty="0">
                 <a:latin typeface="Calibri Light"/>
                 <a:ea typeface="+mn-lt"/>
                 <a:cs typeface="+mn-lt"/>
               </a:rPr>
-              <a:t>Number of patients with history of substance abuse is slightly lower</a:t>
-            </a:r>
-            <a:r>
-              <a:rPr lang="en-US" sz="1400">
-                <a:latin typeface="Calibri Light"/>
-                <a:ea typeface="+mn-lt"/>
-                <a:cs typeface="+mn-lt"/>
-              </a:rPr>
-              <a:t> in all three cases of genetic disorder.</a:t>
-            </a:r>
-            <a:endParaRPr lang="en-US">
+              <a:t>Number of patients with history of substance abuse is slightly lower in all three cases of genetic disorder.</a:t>
+            </a:r>
+            <a:endParaRPr lang="en-US" dirty="0">
               <a:latin typeface="Calibri" panose="020F0502020204030204"/>
               <a:ea typeface="+mn-lt"/>
               <a:cs typeface="+mn-lt"/>
@@ -9418,7 +9311,7 @@
               <a:buFont typeface="Arial"/>
               <a:buChar char="•"/>
             </a:pPr>
-            <a:endParaRPr lang="en-US" sz="1400">
+            <a:endParaRPr lang="en-US" sz="1400" dirty="0">
               <a:latin typeface="Calibri Light"/>
               <a:ea typeface="+mn-lt"/>
               <a:cs typeface="+mn-lt"/>
@@ -9433,7 +9326,7 @@
               <a:buChar char="•"/>
             </a:pPr>
             <a:r>
-              <a:rPr lang="en-US" sz="1400" b="1">
+              <a:rPr lang="en-US" sz="1400" b="1" dirty="0">
                 <a:latin typeface="Calibri Light"/>
                 <a:ea typeface="+mn-lt"/>
                 <a:cs typeface="+mn-lt"/>
@@ -9441,7 +9334,7 @@
               <a:t>The number of patients </a:t>
             </a:r>
             <a:r>
-              <a:rPr lang="en-US" sz="1400" b="1" kern="1200">
+              <a:rPr lang="en-US" sz="1400" b="1" kern="1200" dirty="0">
                 <a:latin typeface="Calibri Light"/>
                 <a:ea typeface="+mn-lt"/>
                 <a:cs typeface="+mn-lt"/>
@@ -9449,7 +9342,7 @@
               <a:t>with </a:t>
             </a:r>
             <a:r>
-              <a:rPr lang="en-US" sz="1400" b="1">
+              <a:rPr lang="en-US" sz="1400" b="1" dirty="0">
                 <a:latin typeface="Calibri Light"/>
                 <a:ea typeface="+mn-lt"/>
                 <a:cs typeface="+mn-lt"/>
@@ -9457,14 +9350,14 @@
               <a:t>history of mental illness is almost equivalent to the number of patients with no mental illness history in all cases</a:t>
             </a:r>
             <a:r>
-              <a:rPr lang="en-US" sz="1400" b="1" kern="1200">
+              <a:rPr lang="en-US" sz="1400" b="1" kern="1200" dirty="0">
                 <a:latin typeface="Calibri Light"/>
                 <a:ea typeface="+mn-lt"/>
                 <a:cs typeface="+mn-lt"/>
               </a:rPr>
               <a:t>.</a:t>
             </a:r>
-            <a:endParaRPr lang="en-US" b="1">
+            <a:endParaRPr lang="en-US" b="1" dirty="0">
               <a:ea typeface="Calibri"/>
               <a:cs typeface="Calibri"/>
             </a:endParaRPr>
@@ -9535,7 +9428,12 @@
           <a:srcRect t="7813" b="7813"/>
           <a:stretch/>
         </p:blipFill>
-        <p:spPr/>
+        <p:spPr>
+          <a:xfrm>
+            <a:off x="0" y="25400"/>
+            <a:ext cx="12192000" cy="6858000"/>
+          </a:xfrm>
+        </p:spPr>
       </p:pic>
       <p:sp>
         <p:nvSpPr>
@@ -9566,7 +9464,7 @@
           <a:lstStyle/>
           <a:p>
             <a:r>
-              <a:rPr lang="en-US"/>
+              <a:rPr lang="en-US" dirty="0"/>
               <a:t>Data analyses</a:t>
             </a:r>
           </a:p>
@@ -9662,19 +9560,7 @@
               <a:rPr lang="en-US" sz="1800" dirty="0">
                 <a:cs typeface="Calibri"/>
               </a:rPr>
-              <a:t>Strategies were implemented to address the widespread issue of missing data, which included replacing values and filling </a:t>
-            </a:r>
-            <a:r>
-              <a:rPr lang="en-US" sz="1800" dirty="0" err="1">
-                <a:cs typeface="Calibri"/>
-              </a:rPr>
-              <a:t>NaN</a:t>
-            </a:r>
-            <a:r>
-              <a:rPr lang="en-US" sz="1800" dirty="0">
-                <a:cs typeface="Calibri"/>
-              </a:rPr>
-              <a:t> entries based on specified conditions.</a:t>
+              <a:t>Strategies were implemented to address the widespread issue of missing data, which included replacing values and filling NaN entries based on specified conditions where possible or dropping NaN values.</a:t>
             </a:r>
             <a:endParaRPr lang="en-US" sz="1800" dirty="0">
               <a:ea typeface="Calibri"/>
@@ -9736,19 +9622,7 @@
               <a:rPr lang="en-US" sz="1800" dirty="0">
                 <a:cs typeface="Calibri"/>
               </a:rPr>
-              <a:t>An effort was made to mitigate imbalanced data by introducing a new column, '</a:t>
-            </a:r>
-            <a:r>
-              <a:rPr lang="en-US" sz="1800" dirty="0" err="1">
-                <a:cs typeface="Calibri"/>
-              </a:rPr>
-              <a:t>GeneticDisorder_Present</a:t>
-            </a:r>
-            <a:r>
-              <a:rPr lang="en-US" sz="1800" dirty="0">
-                <a:cs typeface="Calibri"/>
-              </a:rPr>
-              <a:t>,' thereby transforming the task into a binary classification problem focused on classifying the presence or absence of genetic disorders.</a:t>
+              <a:t>An effort was made to mitigate imbalanced data by introducing a new column, 'GeneticDisorder_Present,' thereby transforming the task into a binary classification problem focused on classifying the presence or absence of genetic disorders.</a:t>
             </a:r>
             <a:endParaRPr lang="en-US" sz="1800" dirty="0">
               <a:ea typeface="Calibri"/>
@@ -9791,12 +9665,12 @@
               <a:buFont typeface="Wingdings" panose="020B0604020202020204" pitchFamily="34" charset="0"/>
               <a:buChar char="Ø"/>
             </a:pPr>
-            <a:endParaRPr lang="en-US" sz="1800">
+            <a:endParaRPr lang="en-US" sz="1800" dirty="0">
               <a:cs typeface="Calibri"/>
             </a:endParaRPr>
           </a:p>
           <a:p>
-            <a:endParaRPr lang="en-US" sz="1800">
+            <a:endParaRPr lang="en-US" sz="1800" dirty="0">
               <a:cs typeface="Calibri"/>
             </a:endParaRPr>
           </a:p>
@@ -9924,7 +9798,7 @@
         <p:spPr>
           <a:xfrm>
             <a:off x="6093459" y="1081319"/>
-            <a:ext cx="5416550" cy="2181078"/>
+            <a:ext cx="5507990" cy="2160758"/>
           </a:xfrm>
         </p:spPr>
         <p:txBody>
@@ -9933,14 +9807,14 @@
           <a:p>
             <a:pPr algn="l"/>
             <a:r>
-              <a:rPr lang="en-US" b="1">
+              <a:rPr lang="en-US" b="1" dirty="0">
                 <a:latin typeface="Calibri Light"/>
                 <a:ea typeface="Calibri Light"/>
                 <a:cs typeface="Calibri Light"/>
               </a:rPr>
               <a:t>Purpose &amp; Objective:</a:t>
             </a:r>
-            <a:endParaRPr lang="en-US">
+            <a:endParaRPr lang="en-US" dirty="0">
               <a:latin typeface="Calibri Light"/>
               <a:ea typeface="Calibri Light"/>
               <a:cs typeface="Calibri Light"/>
@@ -9948,7 +9822,7 @@
           </a:p>
           <a:p>
             <a:pPr algn="l"/>
-            <a:endParaRPr lang="en-US" b="1">
+            <a:endParaRPr lang="en-US" b="1" dirty="0">
               <a:latin typeface="Calibri Light"/>
               <a:ea typeface="Calibri Light"/>
               <a:cs typeface="Calibri Light"/>
@@ -9960,16 +9834,16 @@
               <a:buChar char="Ø"/>
             </a:pPr>
             <a:r>
-              <a:rPr lang="en-US" b="1">
+              <a:rPr lang="en-US" b="1" dirty="0">
                 <a:solidFill>
                   <a:schemeClr val="bg1"/>
                 </a:solidFill>
                 <a:latin typeface="+mj-lt"/>
               </a:rPr>
-              <a:t>Assess medical information of children to provide evidence-based information on the key factors that are significantly linked with </a:t>
-            </a:r>
-            <a:r>
-              <a:rPr lang="en-US" b="1">
+              <a:t>Assess medical information of children to provide evidence-based information on the key factors that are significantly linked with the presence and absence of </a:t>
+            </a:r>
+            <a:r>
+              <a:rPr lang="en-US" b="1" dirty="0">
                 <a:solidFill>
                   <a:schemeClr val="bg1"/>
                 </a:solidFill>
@@ -9980,15 +9854,15 @@
               <a:t>commonly-known</a:t>
             </a:r>
             <a:r>
-              <a:rPr lang="en-US" b="1">
+              <a:rPr lang="en-US" b="1" dirty="0">
                 <a:solidFill>
                   <a:schemeClr val="bg1"/>
                 </a:solidFill>
                 <a:latin typeface="+mj-lt"/>
               </a:rPr>
-              <a:t> genetic disorders .</a:t>
-            </a:r>
-            <a:endParaRPr lang="en-US" b="1">
+              <a:t> genetic disorders.</a:t>
+            </a:r>
+            <a:endParaRPr lang="en-US" b="1" dirty="0">
               <a:solidFill>
                 <a:schemeClr val="bg1"/>
               </a:solidFill>
@@ -10002,7 +9876,7 @@
               <a:buFont typeface="Wingdings" panose="05000000000000000000" pitchFamily="2" charset="2"/>
               <a:buChar char="Ø"/>
             </a:pPr>
-            <a:endParaRPr lang="en-US" b="1">
+            <a:endParaRPr lang="en-US" b="1" dirty="0">
               <a:solidFill>
                 <a:schemeClr val="bg1"/>
               </a:solidFill>
@@ -10048,14 +9922,14 @@
               <a:buNone/>
             </a:pPr>
             <a:r>
-              <a:rPr lang="en-US" b="1" u="sng">
+              <a:rPr lang="en-US" b="1" u="sng" dirty="0">
                 <a:latin typeface="Calibri Light"/>
                 <a:ea typeface="Calibri Light"/>
                 <a:cs typeface="Biome Light"/>
               </a:rPr>
               <a:t>The Why?:</a:t>
             </a:r>
-            <a:endParaRPr lang="en-US" sz="1600" b="1" u="sng">
+            <a:endParaRPr lang="en-US" sz="1600" b="1" u="sng" dirty="0">
               <a:latin typeface="Calibri Light"/>
               <a:ea typeface="Calibri Light"/>
               <a:cs typeface="Biome Light"/>
@@ -10064,7 +9938,7 @@
           <a:p>
             <a:pPr marL="285750" indent="-285750"/>
             <a:r>
-              <a:rPr lang="en-US" sz="1500">
+              <a:rPr lang="en-US" sz="1500" dirty="0">
                 <a:latin typeface="Calibri Light"/>
                 <a:ea typeface="Calibri Light"/>
                 <a:cs typeface="Calibri Light"/>
@@ -10072,7 +9946,7 @@
               <a:t>With</a:t>
             </a:r>
             <a:r>
-              <a:rPr lang="en-US" sz="1500">
+              <a:rPr lang="en-US" sz="1500" dirty="0">
                 <a:solidFill>
                   <a:srgbClr val="000000"/>
                 </a:solidFill>
@@ -10083,7 +9957,7 @@
               <a:t> increasing population, studies have shown that there has been an </a:t>
             </a:r>
             <a:r>
-              <a:rPr lang="en-US" sz="1500" b="1">
+              <a:rPr lang="en-US" sz="1500" b="1" dirty="0">
                 <a:solidFill>
                   <a:srgbClr val="C00000"/>
                 </a:solidFill>
@@ -10094,7 +9968,7 @@
               <a:t>exponential increase in the number of genetic disorders</a:t>
             </a:r>
             <a:r>
-              <a:rPr lang="en-US" sz="1500">
+              <a:rPr lang="en-US" sz="1500" dirty="0">
                 <a:solidFill>
                   <a:srgbClr val="000000"/>
                 </a:solidFill>
@@ -10108,7 +9982,7 @@
           <a:p>
             <a:pPr marL="285750" indent="-285750"/>
             <a:r>
-              <a:rPr lang="en-US" sz="1500" b="1">
+              <a:rPr lang="en-US" sz="1500" b="1" dirty="0">
                 <a:solidFill>
                   <a:srgbClr val="C00000"/>
                 </a:solidFill>
@@ -10119,7 +9993,7 @@
               <a:t>Low awareness about the key contributing factors and limited understanding about the importance of genetic testing contribute to the increase </a:t>
             </a:r>
             <a:r>
-              <a:rPr lang="en-US" sz="1500">
+              <a:rPr lang="en-US" sz="1500" dirty="0">
                 <a:solidFill>
                   <a:srgbClr val="000000"/>
                 </a:solidFill>
@@ -10129,7 +10003,7 @@
               </a:rPr>
               <a:t>in the incidence of hereditary disorders. </a:t>
             </a:r>
-            <a:endParaRPr lang="en-US" sz="1500">
+            <a:endParaRPr lang="en-US" sz="1500" dirty="0">
               <a:solidFill>
                 <a:srgbClr val="374151"/>
               </a:solidFill>
@@ -10151,7 +10025,7 @@
             <a:pPr marL="0" indent="0">
               <a:buNone/>
             </a:pPr>
-            <a:endParaRPr lang="en-US" sz="1200">
+            <a:endParaRPr lang="en-US" sz="1200" dirty="0">
               <a:solidFill>
                 <a:srgbClr val="374151"/>
               </a:solidFill>
@@ -10186,7 +10060,7 @@
               <a:rPr lang="en-US" smtClean="0"/>
               <a:t>2</a:t>
             </a:fld>
-            <a:endParaRPr lang="en-US"/>
+            <a:endParaRPr lang="en-US" dirty="0"/>
           </a:p>
         </p:txBody>
       </p:sp>
@@ -10247,7 +10121,7 @@
           <a:lstStyle/>
           <a:p>
             <a:r>
-              <a:rPr lang="en-US"/>
+              <a:rPr lang="en-US" dirty="0"/>
               <a:t>conclusion</a:t>
             </a:r>
           </a:p>
@@ -10314,7 +10188,7 @@
                 <a:ea typeface="+mn-lt"/>
                 <a:cs typeface="+mn-lt"/>
               </a:rPr>
-              <a:t>Essential Steps: </a:t>
+              <a:t>Data: </a:t>
             </a:r>
             <a:r>
               <a:rPr lang="en-US" dirty="0">
@@ -10324,11 +10198,8 @@
                 <a:ea typeface="+mn-lt"/>
                 <a:cs typeface="+mn-lt"/>
               </a:rPr>
-              <a:t>Emphasis is needed on the significance of data preparation, model evaluation, and comparison in healthcare ML applications.</a:t>
-            </a:r>
-            <a:endParaRPr lang="en-US" dirty="0">
-              <a:cs typeface="Calibri"/>
-            </a:endParaRPr>
+              <a:t>Real-world data is often messy and exhibits gaps.</a:t>
+            </a:r>
           </a:p>
           <a:p>
             <a:r>
@@ -10339,7 +10210,7 @@
                 <a:ea typeface="+mn-lt"/>
                 <a:cs typeface="+mn-lt"/>
               </a:rPr>
-              <a:t>Future Exploration:  </a:t>
+              <a:t>Essential Steps: </a:t>
             </a:r>
             <a:r>
               <a:rPr lang="en-US" dirty="0">
@@ -10349,12 +10220,37 @@
                 <a:ea typeface="+mn-lt"/>
                 <a:cs typeface="+mn-lt"/>
               </a:rPr>
+              <a:t>Emphasis is needed on the significance of data preparation, model evaluation, and comparison in healthcare ML applications. </a:t>
+            </a:r>
+            <a:endParaRPr lang="en-US" dirty="0">
+              <a:cs typeface="Calibri"/>
+            </a:endParaRPr>
+          </a:p>
+          <a:p>
+            <a:r>
+              <a:rPr lang="en-US" b="1" dirty="0">
+                <a:solidFill>
+                  <a:srgbClr val="374151"/>
+                </a:solidFill>
+                <a:ea typeface="+mn-lt"/>
+                <a:cs typeface="+mn-lt"/>
+              </a:rPr>
+              <a:t>Future Exploration:  </a:t>
+            </a:r>
+            <a:r>
+              <a:rPr lang="en-US" dirty="0">
+                <a:solidFill>
+                  <a:srgbClr val="374151"/>
+                </a:solidFill>
+                <a:ea typeface="+mn-lt"/>
+                <a:cs typeface="+mn-lt"/>
+              </a:rPr>
               <a:t>Additional data gathering and refining is needed to enhance ML applications in healthcare.</a:t>
             </a:r>
             <a:endParaRPr lang="en-US" dirty="0"/>
           </a:p>
           <a:p>
-            <a:endParaRPr lang="en-US" sz="1400">
+            <a:endParaRPr lang="en-US" sz="1400" dirty="0">
               <a:solidFill>
                 <a:srgbClr val="374151"/>
               </a:solidFill>
@@ -10362,7 +10258,7 @@
             </a:endParaRPr>
           </a:p>
           <a:p>
-            <a:endParaRPr lang="en-US" b="1">
+            <a:endParaRPr lang="en-US" b="1" dirty="0">
               <a:cs typeface="Calibri"/>
             </a:endParaRPr>
           </a:p>
@@ -10393,7 +10289,7 @@
               <a:rPr lang="en-US" smtClean="0"/>
               <a:t>20</a:t>
             </a:fld>
-            <a:endParaRPr lang="en-US"/>
+            <a:endParaRPr lang="en-US" dirty="0"/>
           </a:p>
         </p:txBody>
       </p:sp>
@@ -10470,7 +10366,7 @@
               </a:spcBef>
             </a:pPr>
             <a:r>
-              <a:rPr lang="en-US" sz="1500" b="1">
+              <a:rPr lang="en-US" sz="1500" b="1" dirty="0">
                 <a:solidFill>
                   <a:schemeClr val="bg1"/>
                 </a:solidFill>
@@ -10480,7 +10376,7 @@
               <a:t>Key contributing factors towards </a:t>
             </a:r>
             <a:r>
-              <a:rPr lang="en-US" sz="1600" b="1">
+              <a:rPr lang="en-US" sz="1600" b="1" dirty="0">
                 <a:solidFill>
                   <a:schemeClr val="bg1"/>
                 </a:solidFill>
@@ -10489,7 +10385,7 @@
               </a:rPr>
               <a:t>genetic disorders</a:t>
             </a:r>
-            <a:endParaRPr lang="en-US" b="1">
+            <a:endParaRPr lang="en-US" b="1" dirty="0">
               <a:solidFill>
                 <a:schemeClr val="bg1"/>
               </a:solidFill>
@@ -10506,7 +10402,7 @@
               <a:buChar char="o"/>
             </a:pPr>
             <a:r>
-              <a:rPr lang="en-US" sz="1600">
+              <a:rPr lang="en-US" sz="1600" dirty="0">
                 <a:solidFill>
                   <a:schemeClr val="bg1"/>
                 </a:solidFill>
@@ -10515,7 +10411,7 @@
               </a:rPr>
               <a:t>Gene inherited from Father (Gene Defect), Place of Birth (birth at Institutions), and presence of Birth Asphyxia significantly and positively contribute to genetic disorders.</a:t>
             </a:r>
-            <a:endParaRPr lang="en-US">
+            <a:endParaRPr lang="en-US" dirty="0">
               <a:solidFill>
                 <a:schemeClr val="bg1"/>
               </a:solidFill>
@@ -10529,7 +10425,7 @@
                 <a:spcPts val="500"/>
               </a:spcBef>
             </a:pPr>
-            <a:endParaRPr lang="en-US" sz="1600">
+            <a:endParaRPr lang="en-US" sz="1600" dirty="0">
               <a:solidFill>
                 <a:schemeClr val="bg1"/>
               </a:solidFill>
@@ -10546,7 +10442,7 @@
               <a:buChar char="o"/>
             </a:pPr>
             <a:r>
-              <a:rPr lang="en-US" sz="1600">
+              <a:rPr lang="en-US" sz="1600" dirty="0">
                 <a:solidFill>
                   <a:schemeClr val="bg1"/>
                 </a:solidFill>
@@ -10562,7 +10458,7 @@
                 <a:spcPts val="500"/>
               </a:spcBef>
             </a:pPr>
-            <a:endParaRPr lang="en-US" sz="1600">
+            <a:endParaRPr lang="en-US" sz="1600" dirty="0">
               <a:solidFill>
                 <a:schemeClr val="bg1"/>
               </a:solidFill>
@@ -10576,7 +10472,7 @@
                 <a:spcPts val="500"/>
               </a:spcBef>
             </a:pPr>
-            <a:endParaRPr lang="en-US" sz="1600">
+            <a:endParaRPr lang="en-US" sz="1600" dirty="0">
               <a:solidFill>
                 <a:schemeClr val="bg1"/>
               </a:solidFill>
@@ -10591,7 +10487,7 @@
               </a:spcBef>
             </a:pPr>
             <a:r>
-              <a:rPr lang="en-US" sz="1600" b="1">
+              <a:rPr lang="en-US" sz="1600" b="1" dirty="0">
                 <a:solidFill>
                   <a:schemeClr val="bg1"/>
                 </a:solidFill>
@@ -10610,7 +10506,7 @@
               <a:buChar char="o"/>
             </a:pPr>
             <a:r>
-              <a:rPr lang="en-US" sz="1600">
+              <a:rPr lang="en-US" sz="1600" dirty="0">
                 <a:solidFill>
                   <a:schemeClr val="bg1"/>
                 </a:solidFill>
@@ -10620,7 +10516,7 @@
               <a:t>Earlier genetic testing will </a:t>
             </a:r>
             <a:r>
-              <a:rPr lang="en-US" sz="1500">
+              <a:rPr lang="en-US" sz="1500" dirty="0">
                 <a:solidFill>
                   <a:schemeClr val="bg1"/>
                 </a:solidFill>
@@ -10630,7 +10526,7 @@
               <a:t>direct</a:t>
             </a:r>
             <a:r>
-              <a:rPr lang="en-US" sz="1500">
+              <a:rPr lang="en-US" sz="1500" dirty="0">
                 <a:solidFill>
                   <a:schemeClr val="bg1"/>
                 </a:solidFill>
@@ -10649,7 +10545,7 @@
               <a:buChar char="o"/>
             </a:pPr>
             <a:r>
-              <a:rPr lang="en-US" sz="1500">
+              <a:rPr lang="en-US" sz="1500" dirty="0">
                 <a:solidFill>
                   <a:schemeClr val="bg1"/>
                 </a:solidFill>
@@ -10771,7 +10667,7 @@
           <a:lstStyle/>
           <a:p>
             <a:r>
-              <a:rPr lang="en-US" sz="4000" spc="300"/>
+              <a:rPr lang="en-US" sz="4000" spc="300" dirty="0"/>
               <a:t>THANK YOU</a:t>
             </a:r>
           </a:p>
@@ -10842,13 +10738,13 @@
           <a:lstStyle/>
           <a:p>
             <a:r>
-              <a:rPr lang="en-US" b="1" i="0">
+              <a:rPr lang="en-US" b="1" i="0" dirty="0">
                 <a:effectLst/>
                 <a:latin typeface="-apple-system"/>
               </a:rPr>
               <a:t>Starla Halliday</a:t>
             </a:r>
-            <a:endParaRPr lang="en-US" b="1"/>
+            <a:endParaRPr lang="en-US" b="1" dirty="0"/>
           </a:p>
         </p:txBody>
       </p:sp>
@@ -11063,20 +10959,20 @@
           </a:lstStyle>
           <a:p>
             <a:r>
-              <a:rPr lang="en-US" b="1" i="0" err="1">
+              <a:rPr lang="en-US" b="1" i="0" dirty="0" err="1">
                 <a:effectLst/>
                 <a:latin typeface="-apple-system"/>
               </a:rPr>
               <a:t>Mosa</a:t>
             </a:r>
             <a:r>
-              <a:rPr lang="en-US" b="1" i="0">
+              <a:rPr lang="en-US" b="1" i="0" dirty="0">
                 <a:effectLst/>
                 <a:latin typeface="-apple-system"/>
               </a:rPr>
               <a:t> Hassan</a:t>
             </a:r>
-            <a:endParaRPr lang="en-US" b="1"/>
+            <a:endParaRPr lang="en-US" b="1" dirty="0"/>
           </a:p>
         </p:txBody>
       </p:sp>
@@ -11588,7 +11484,7 @@
           <a:lstStyle/>
           <a:p>
             <a:r>
-              <a:rPr lang="en-US" sz="4400"/>
+              <a:rPr lang="en-US" sz="4400" dirty="0"/>
               <a:t>Database &amp;curation</a:t>
             </a:r>
           </a:p>
@@ -11656,7 +11552,7 @@
           <a:lstStyle/>
           <a:p>
             <a:r>
-              <a:rPr lang="en-US"/>
+              <a:rPr lang="en-US" dirty="0"/>
               <a:t>Let’s Dive In</a:t>
             </a:r>
           </a:p>
@@ -11687,7 +11583,7 @@
               <a:rPr lang="en-US" smtClean="0"/>
               <a:t>3</a:t>
             </a:fld>
-            <a:endParaRPr lang="en-US"/>
+            <a:endParaRPr lang="en-US" dirty="0"/>
           </a:p>
         </p:txBody>
       </p:sp>
@@ -11786,7 +11682,7 @@
           <a:lstStyle/>
           <a:p>
             <a:r>
-              <a:rPr lang="en-US" u="sng">
+              <a:rPr lang="en-US" u="sng" dirty="0">
                 <a:latin typeface="Calibri Light"/>
                 <a:ea typeface="Calibri Light"/>
                 <a:cs typeface="Calibri Light"/>
@@ -11825,7 +11721,7 @@
           <a:lstStyle/>
           <a:p>
             <a:r>
-              <a:rPr lang="en-US" sz="1500" b="1">
+              <a:rPr lang="en-US" sz="1500" b="1" dirty="0">
                 <a:latin typeface="Calibri Light"/>
                 <a:ea typeface="Calibri Light"/>
                 <a:cs typeface="Calibri"/>
@@ -11833,7 +11729,7 @@
               <a:t>Source:  Kaggle Dataset - "Of Genomes and Genetics -</a:t>
             </a:r>
             <a:r>
-              <a:rPr lang="en-US" sz="1500">
+              <a:rPr lang="en-US" sz="1500" dirty="0">
                 <a:latin typeface="Calibri Light"/>
                 <a:ea typeface="Calibri Light"/>
                 <a:cs typeface="Calibri"/>
@@ -11841,20 +11737,12 @@
               <a:t> </a:t>
             </a:r>
             <a:r>
-              <a:rPr lang="en-US" sz="1500" b="1" err="1">
+              <a:rPr lang="en-US" sz="1500" b="1" dirty="0">
                 <a:latin typeface="Calibri Light"/>
                 <a:ea typeface="Calibri Light"/>
                 <a:cs typeface="Calibri"/>
               </a:rPr>
-              <a:t>HackerEarth</a:t>
-            </a:r>
-            <a:r>
-              <a:rPr lang="en-US" sz="1500" b="1">
-                <a:latin typeface="Calibri Light"/>
-                <a:ea typeface="Calibri Light"/>
-                <a:cs typeface="Calibri"/>
-              </a:rPr>
-              <a:t> ML"</a:t>
+              <a:t>HackerEarth ML"</a:t>
             </a:r>
           </a:p>
           <a:p>
@@ -11863,7 +11751,7 @@
               <a:buChar char="o"/>
             </a:pPr>
             <a:r>
-              <a:rPr lang="en-US" sz="1500">
+              <a:rPr lang="en-US" sz="1500" dirty="0">
                 <a:latin typeface="Calibri Light"/>
                 <a:ea typeface="Calibri Light"/>
                 <a:cs typeface="Calibri"/>
@@ -11877,7 +11765,7 @@
               <a:buChar char="§"/>
             </a:pPr>
             <a:r>
-              <a:rPr lang="en-US" sz="1500">
+              <a:rPr lang="en-US" sz="1500" dirty="0">
                 <a:latin typeface="Calibri Light"/>
                 <a:ea typeface="Calibri"/>
                 <a:cs typeface="Calibri"/>
@@ -11891,14 +11779,14 @@
               <a:buChar char="§"/>
             </a:pPr>
             <a:r>
-              <a:rPr lang="en-US" sz="1500">
+              <a:rPr lang="en-US" sz="1500" dirty="0">
                 <a:latin typeface="Calibri Light"/>
                 <a:ea typeface="Calibri"/>
                 <a:cs typeface="Calibri"/>
               </a:rPr>
               <a:t>Over 21,000 rows identifying presence of genetic disorder</a:t>
             </a:r>
-            <a:endParaRPr lang="en-US" sz="1500">
+            <a:endParaRPr lang="en-US" sz="1500" dirty="0">
               <a:latin typeface="Calibri Light"/>
               <a:ea typeface="Calibri Light"/>
               <a:cs typeface="Calibri"/>
@@ -11910,14 +11798,14 @@
               <a:buChar char="§"/>
             </a:pPr>
             <a:r>
-              <a:rPr lang="en-US" sz="1500">
+              <a:rPr lang="en-US" sz="1500" dirty="0">
                 <a:latin typeface="Calibri Light"/>
                 <a:ea typeface="Calibri"/>
                 <a:cs typeface="Calibri"/>
               </a:rPr>
               <a:t>Clear imbalance in the dataset</a:t>
             </a:r>
-            <a:endParaRPr lang="en-US" sz="1500">
+            <a:endParaRPr lang="en-US" sz="1500" dirty="0">
               <a:latin typeface="Calibri Light"/>
               <a:ea typeface="Calibri Light"/>
               <a:cs typeface="Calibri"/>
@@ -11929,14 +11817,14 @@
               <a:buChar char="o"/>
             </a:pPr>
             <a:r>
-              <a:rPr lang="en-US" sz="1500">
+              <a:rPr lang="en-US" sz="1500" dirty="0">
                 <a:latin typeface="Calibri Light"/>
                 <a:ea typeface="Calibri Light"/>
                 <a:cs typeface="Calibri"/>
               </a:rPr>
               <a:t>After preprocessing, 21 columns were eliminated, leaving 25 columns, including target and feature columns.</a:t>
             </a:r>
-            <a:endParaRPr lang="en-US" sz="1500">
+            <a:endParaRPr lang="en-US" sz="1500" dirty="0">
               <a:latin typeface="Calibri Light"/>
               <a:ea typeface="Calibri Light"/>
               <a:cs typeface="Calibri Light"/>
@@ -11973,14 +11861,14 @@
           <a:lstStyle/>
           <a:p>
             <a:r>
-              <a:rPr lang="en-US" u="sng">
+              <a:rPr lang="en-US" u="sng" dirty="0">
                 <a:latin typeface="Calibri Light"/>
                 <a:ea typeface="Calibri Light"/>
                 <a:cs typeface="Calibri"/>
               </a:rPr>
               <a:t>Data Characteristics</a:t>
             </a:r>
-            <a:endParaRPr lang="en-US" u="sng">
+            <a:endParaRPr lang="en-US" u="sng" dirty="0">
               <a:latin typeface="Calibri Light"/>
               <a:ea typeface="Calibri Light"/>
               <a:cs typeface="Calibri Light"/>
@@ -12018,7 +11906,7 @@
           <a:p>
             <a:pPr algn="just"/>
             <a:r>
-              <a:rPr lang="en-US" b="1">
+              <a:rPr lang="en-US" b="1" dirty="0">
                 <a:latin typeface="Calibri Light"/>
                 <a:ea typeface="Calibri Light"/>
                 <a:cs typeface="Calibri"/>
@@ -12026,14 +11914,14 @@
               <a:t>Data Types: </a:t>
             </a:r>
             <a:r>
-              <a:rPr lang="en-US">
+              <a:rPr lang="en-US" dirty="0">
                 <a:latin typeface="Calibri Light"/>
                 <a:ea typeface="Calibri Light"/>
                 <a:cs typeface="Calibri"/>
               </a:rPr>
               <a:t>Numerical &amp; Categorical</a:t>
             </a:r>
-            <a:endParaRPr lang="en-US"/>
+            <a:endParaRPr lang="en-US" dirty="0"/>
           </a:p>
           <a:p>
             <a:pPr algn="just">
@@ -12042,7 +11930,7 @@
               </a:lnSpc>
             </a:pPr>
             <a:r>
-              <a:rPr lang="en-US" b="1">
+              <a:rPr lang="en-US" b="1" dirty="0">
                 <a:latin typeface="Calibri Light"/>
                 <a:ea typeface="Calibri Light"/>
                 <a:cs typeface="Calibri"/>
@@ -12050,53 +11938,37 @@
               <a:t>Features: </a:t>
             </a:r>
             <a:r>
-              <a:rPr lang="en-US">
+              <a:rPr lang="en-US" dirty="0">
                 <a:latin typeface="Calibri Light"/>
                 <a:ea typeface="Calibri Light"/>
                 <a:cs typeface="Calibri"/>
               </a:rPr>
-              <a:t>Patient Age, Genes in mother's side, Inherited from father, Maternal gene, Paternal gene, Blood cell count (</a:t>
-            </a:r>
-            <a:r>
-              <a:rPr lang="en-US" err="1">
+              <a:t>Patient Age, Genes in mother's side, Inherited from father, Maternal gene, Paternal gene, Blood cell count (mcL), Status, Respiratory Rate (breaths/min), Heart Rate (rates/min), Follow-up, Gender, Birth asphyxia, Autopsy shows birth defect (if applicable), Place of birth, Folic acid details (peri-conceptional), H/O serious maternal illness, H/O radiation exposure (x-ray), H/O substance abuse, Assisted conception IVF/ART,  History of anomalies in previous pregnancies,  No. of previous abortion, Birth defects, White Blood cell count (thousand per microliter), Blood test result</a:t>
+            </a:r>
+          </a:p>
+          <a:p>
+            <a:pPr algn="just"/>
+            <a:r>
+              <a:rPr lang="en-US" b="1" dirty="0">
                 <a:latin typeface="Calibri Light"/>
                 <a:ea typeface="Calibri Light"/>
                 <a:cs typeface="Calibri"/>
               </a:rPr>
-              <a:t>mcL</a:t>
-            </a:r>
-            <a:r>
-              <a:rPr lang="en-US">
+              <a:t>Target Variable: </a:t>
+            </a:r>
+            <a:r>
+              <a:rPr lang="en-US" dirty="0">
                 <a:latin typeface="Calibri Light"/>
                 <a:ea typeface="Calibri Light"/>
                 <a:cs typeface="Calibri"/>
               </a:rPr>
-              <a:t>), Status, Respiratory Rate (breaths/min), Heart Rate (rates/min), Follow-up, Gender, Birth asphyxia, Autopsy shows birth defect (if applicable), Place of birth, Folic acid details (peri-conceptional), H/O serious maternal illness, H/O radiation exposure (x-ray), H/O substance abuse, Assisted conception IVF/ART,  History of anomalies in previous pregnancies,  No. of previous abortion, Birth defects, White Blood cell count (thousand per microliter), Blood test result</a:t>
+              <a:t>Presence or absence of genetic disorders</a:t>
             </a:r>
           </a:p>
           <a:p>
             <a:pPr algn="just"/>
             <a:r>
-              <a:rPr lang="en-US" b="1">
-                <a:latin typeface="Calibri Light"/>
-                <a:ea typeface="Calibri Light"/>
-                <a:cs typeface="Calibri"/>
-              </a:rPr>
-              <a:t>Target Variable: </a:t>
-            </a:r>
-            <a:r>
-              <a:rPr lang="en-US">
-                <a:latin typeface="Calibri Light"/>
-                <a:ea typeface="Calibri Light"/>
-                <a:cs typeface="Calibri"/>
-              </a:rPr>
-              <a:t>Presence or absence of genetic disorders</a:t>
-            </a:r>
-          </a:p>
-          <a:p>
-            <a:pPr algn="just"/>
-            <a:r>
-              <a:rPr lang="en-US" b="1">
+              <a:rPr lang="en-US" b="1" dirty="0">
                 <a:latin typeface="Calibri Light"/>
                 <a:ea typeface="Calibri"/>
                 <a:cs typeface="Calibri"/>
@@ -12104,7 +11976,7 @@
               <a:t>Use: </a:t>
             </a:r>
             <a:r>
-              <a:rPr lang="en-US">
+              <a:rPr lang="en-US" dirty="0">
                 <a:latin typeface="Calibri Light"/>
                 <a:ea typeface="Calibri"/>
                 <a:cs typeface="Calibri"/>
@@ -12112,7 +11984,7 @@
               <a:t>Python Pandas, </a:t>
             </a:r>
             <a:r>
-              <a:rPr lang="en-US">
+              <a:rPr lang="en-US" dirty="0">
                 <a:solidFill>
                   <a:srgbClr val="000000"/>
                 </a:solidFill>
@@ -12120,32 +11992,10 @@
                 <a:ea typeface="+mn-lt"/>
                 <a:cs typeface="+mn-lt"/>
               </a:rPr>
-              <a:t>Python Matplotlib, </a:t>
-            </a:r>
-            <a:r>
-              <a:rPr lang="en-US" err="1">
-                <a:solidFill>
-                  <a:srgbClr val="000000"/>
-                </a:solidFill>
-                <a:latin typeface="Calibri Light"/>
-                <a:ea typeface="+mn-lt"/>
-                <a:cs typeface="+mn-lt"/>
-              </a:rPr>
-              <a:t>sklearn</a:t>
-            </a:r>
-            <a:r>
-              <a:rPr lang="en-US">
-                <a:solidFill>
-                  <a:srgbClr val="000000"/>
-                </a:solidFill>
-                <a:latin typeface="Calibri Light"/>
-                <a:ea typeface="+mn-lt"/>
-                <a:cs typeface="+mn-lt"/>
-              </a:rPr>
-              <a:t>, </a:t>
-            </a:r>
-            <a:r>
-              <a:rPr lang="en-US">
+              <a:t>Python Matplotlib, sklearn, </a:t>
+            </a:r>
+            <a:r>
+              <a:rPr lang="en-US" dirty="0">
                 <a:latin typeface="Calibri Light"/>
                 <a:ea typeface="Calibri"/>
                 <a:cs typeface="Calibri"/>
@@ -12235,7 +12085,7 @@
           <a:lstStyle/>
           <a:p>
             <a:pPr algn="ctr"/>
-            <a:endParaRPr lang="en-US"/>
+            <a:endParaRPr lang="en-US" dirty="0"/>
           </a:p>
         </p:txBody>
       </p:sp>
@@ -12296,10 +12146,10 @@
           <a:lstStyle/>
           <a:p>
             <a:r>
-              <a:rPr lang="en-US"/>
+              <a:rPr lang="en-US" dirty="0"/>
               <a:t>Data Preprocessing</a:t>
             </a:r>
-            <a:endParaRPr lang="en-US">
+            <a:endParaRPr lang="en-US" dirty="0">
               <a:cs typeface="Calibri Light"/>
             </a:endParaRPr>
           </a:p>
@@ -12373,7 +12223,7 @@
           <a:lstStyle/>
           <a:p>
             <a:pPr algn="ctr"/>
-            <a:endParaRPr lang="en-US"/>
+            <a:endParaRPr lang="en-US" dirty="0"/>
           </a:p>
         </p:txBody>
       </p:sp>
@@ -12406,7 +12256,7 @@
           <a:lstStyle/>
           <a:p>
             <a:r>
-              <a:rPr lang="en-US" b="1">
+              <a:rPr lang="en-US" b="1" dirty="0">
                 <a:latin typeface="Calibri Light"/>
                 <a:ea typeface="Calibri Light"/>
                 <a:cs typeface="Calibri"/>
@@ -12416,53 +12266,37 @@
           </a:p>
           <a:p>
             <a:r>
-              <a:rPr lang="en-US" b="1">
+              <a:rPr lang="en-US" b="1" dirty="0">
                 <a:latin typeface="Calibri Light"/>
                 <a:ea typeface="Calibri Light"/>
                 <a:cs typeface="Calibri"/>
               </a:rPr>
-              <a:t>Created additional "</a:t>
-            </a:r>
-            <a:r>
-              <a:rPr lang="en-US" b="1" err="1">
+              <a:t>Created additional "GeneticDisorder_Present" column</a:t>
+            </a:r>
+          </a:p>
+          <a:p>
+            <a:r>
+              <a:rPr lang="en-US" b="1" dirty="0">
                 <a:latin typeface="Calibri Light"/>
                 <a:ea typeface="Calibri Light"/>
                 <a:cs typeface="Calibri"/>
               </a:rPr>
-              <a:t>GeneticDisorder_Present</a:t>
-            </a:r>
-            <a:r>
-              <a:rPr lang="en-US" b="1">
+              <a:t>Assumption and Imbalance Recognition</a:t>
+            </a:r>
+          </a:p>
+          <a:p>
+            <a:r>
+              <a:rPr lang="en-US" b="1" dirty="0">
                 <a:latin typeface="Calibri Light"/>
                 <a:ea typeface="Calibri Light"/>
                 <a:cs typeface="Calibri"/>
               </a:rPr>
-              <a:t>" column</a:t>
-            </a:r>
-          </a:p>
-          <a:p>
-            <a:r>
-              <a:rPr lang="en-US" b="1">
-                <a:latin typeface="Calibri Light"/>
-                <a:ea typeface="Calibri Light"/>
-                <a:cs typeface="Calibri"/>
-              </a:rPr>
-              <a:t>Assumption and Imbalance Recognition</a:t>
-            </a:r>
-          </a:p>
-          <a:p>
-            <a:r>
-              <a:rPr lang="en-US" b="1">
-                <a:latin typeface="Calibri Light"/>
-                <a:ea typeface="Calibri Light"/>
-                <a:cs typeface="Calibri"/>
-              </a:rPr>
               <a:t>Data Refinement</a:t>
             </a:r>
           </a:p>
           <a:p>
             <a:r>
-              <a:rPr lang="en-US" b="1">
+              <a:rPr lang="en-US" b="1" dirty="0">
                 <a:latin typeface="Calibri Light"/>
                 <a:ea typeface="Calibri Light"/>
                 <a:cs typeface="Calibri"/>
@@ -12670,30 +12504,14 @@
               </a:lnSpc>
             </a:pPr>
             <a:r>
-              <a:rPr lang="en-US">
+              <a:rPr lang="en-US" dirty="0">
                 <a:latin typeface="Calibri Light"/>
                 <a:ea typeface="Calibri Light"/>
                 <a:cs typeface="Calibri"/>
               </a:rPr>
-              <a:t>Replaced '-' with 'Not applicable' and filled </a:t>
-            </a:r>
-            <a:r>
-              <a:rPr lang="en-US" err="1">
-                <a:latin typeface="Calibri Light"/>
-                <a:ea typeface="Calibri Light"/>
-                <a:cs typeface="Calibri"/>
-              </a:rPr>
-              <a:t>NaN</a:t>
-            </a:r>
-            <a:r>
-              <a:rPr lang="en-US">
-                <a:latin typeface="Calibri Light"/>
-                <a:ea typeface="Calibri Light"/>
-                <a:cs typeface="Calibri"/>
-              </a:rPr>
-              <a:t> values based on specific genetic conditions.</a:t>
-            </a:r>
-            <a:endParaRPr lang="en-US">
+              <a:t>Replaced '-' with 'Not applicable’, dropped majority of NaN values, where possible filled NaN values based on specific genetic conditions.</a:t>
+            </a:r>
+            <a:endParaRPr lang="en-US" dirty="0">
               <a:latin typeface="Calibri Light"/>
               <a:ea typeface="Calibri Light"/>
               <a:cs typeface="Calibri Light"/>
@@ -12706,28 +12524,12 @@
               </a:lnSpc>
             </a:pPr>
             <a:r>
-              <a:rPr lang="en-US">
+              <a:rPr lang="en-US" dirty="0">
                 <a:latin typeface="Calibri Light"/>
                 <a:ea typeface="Calibri Light"/>
                 <a:cs typeface="Calibri"/>
               </a:rPr>
-              <a:t>Introduced a new column, '</a:t>
-            </a:r>
-            <a:r>
-              <a:rPr lang="en-US" err="1">
-                <a:latin typeface="Calibri Light"/>
-                <a:ea typeface="Calibri Light"/>
-                <a:cs typeface="Calibri"/>
-              </a:rPr>
-              <a:t>GeneticDisorder_Present</a:t>
-            </a:r>
-            <a:r>
-              <a:rPr lang="en-US">
-                <a:latin typeface="Calibri Light"/>
-                <a:ea typeface="Calibri Light"/>
-                <a:cs typeface="Calibri"/>
-              </a:rPr>
-              <a:t>,' indicating the presence or absence of genetic disorders.</a:t>
+              <a:t>Introduced a new column, 'GeneticDisorder_Present,' indicating the presence or absence of genetic disorders.</a:t>
             </a:r>
           </a:p>
           <a:p>
@@ -12737,7 +12539,7 @@
               </a:lnSpc>
             </a:pPr>
             <a:r>
-              <a:rPr lang="en-US">
+              <a:rPr lang="en-US" dirty="0">
                 <a:latin typeface="Calibri Light"/>
                 <a:ea typeface="Calibri Light"/>
                 <a:cs typeface="Calibri"/>
@@ -12752,7 +12554,7 @@
               </a:lnSpc>
             </a:pPr>
             <a:r>
-              <a:rPr lang="en-US">
+              <a:rPr lang="en-US" dirty="0">
                 <a:latin typeface="Calibri Light"/>
                 <a:ea typeface="Calibri Light"/>
                 <a:cs typeface="Calibri"/>
@@ -12767,7 +12569,7 @@
               </a:lnSpc>
             </a:pPr>
             <a:r>
-              <a:rPr lang="en-US">
+              <a:rPr lang="en-US" dirty="0">
                 <a:latin typeface="Calibri Light"/>
                 <a:ea typeface="Calibri Light"/>
                 <a:cs typeface="Calibri"/>
@@ -12782,7 +12584,7 @@
               </a:lnSpc>
             </a:pPr>
             <a:r>
-              <a:rPr lang="en-US">
+              <a:rPr lang="en-US" dirty="0">
                 <a:latin typeface="Calibri Light"/>
                 <a:ea typeface="Calibri Light"/>
                 <a:cs typeface="Calibri"/>
@@ -12797,28 +12599,12 @@
               </a:lnSpc>
             </a:pPr>
             <a:r>
-              <a:rPr lang="en-US">
+              <a:rPr lang="en-US" dirty="0">
                 <a:latin typeface="Calibri Light"/>
                 <a:ea typeface="Calibri Light"/>
                 <a:cs typeface="Calibri"/>
               </a:rPr>
-              <a:t>Implemented Synthetic Data Generation using the </a:t>
-            </a:r>
-            <a:r>
-              <a:rPr lang="en-US" err="1">
-                <a:latin typeface="Calibri Light"/>
-                <a:ea typeface="Calibri Light"/>
-                <a:cs typeface="Calibri"/>
-              </a:rPr>
-              <a:t>make_blobs</a:t>
-            </a:r>
-            <a:r>
-              <a:rPr lang="en-US">
-                <a:latin typeface="Calibri Light"/>
-                <a:ea typeface="Calibri Light"/>
-                <a:cs typeface="Calibri"/>
-              </a:rPr>
-              <a:t> function to address the observed class imbalance.</a:t>
+              <a:t>Implemented Synthetic Data Generation using the make_blobs function to address the observed class imbalance.</a:t>
             </a:r>
           </a:p>
           <a:p>
@@ -12827,7 +12613,7 @@
                 <a:spcPct val="100000"/>
               </a:lnSpc>
             </a:pPr>
-            <a:endParaRPr lang="en-US">
+            <a:endParaRPr lang="en-US" dirty="0">
               <a:latin typeface="Calibri Light"/>
               <a:ea typeface="Calibri Light"/>
               <a:cs typeface="Calibri"/>
@@ -12835,14 +12621,14 @@
           </a:p>
           <a:p>
             <a:pPr algn="just"/>
-            <a:endParaRPr lang="en-US">
+            <a:endParaRPr lang="en-US" dirty="0">
               <a:latin typeface="Calibri Light"/>
               <a:ea typeface="Calibri Light"/>
               <a:cs typeface="Calibri"/>
             </a:endParaRPr>
           </a:p>
           <a:p>
-            <a:endParaRPr lang="en-US">
+            <a:endParaRPr lang="en-US" dirty="0">
               <a:cs typeface="Calibri"/>
             </a:endParaRPr>
           </a:p>
@@ -12908,7 +12694,7 @@
           <a:p>
             <a:pPr algn="ctr"/>
             <a:r>
-              <a:rPr lang="en-US" sz="4400"/>
+              <a:rPr lang="en-US" sz="4400" dirty="0"/>
               <a:t>Data analyses</a:t>
             </a:r>
           </a:p>
@@ -12976,7 +12762,7 @@
           <a:lstStyle/>
           <a:p>
             <a:r>
-              <a:rPr lang="en-US"/>
+              <a:rPr lang="en-US" dirty="0"/>
               <a:t>Let’s Dive In</a:t>
             </a:r>
           </a:p>
@@ -13007,7 +12793,7 @@
               <a:rPr lang="en-US" smtClean="0"/>
               <a:t>6</a:t>
             </a:fld>
-            <a:endParaRPr lang="en-US"/>
+            <a:endParaRPr lang="en-US" dirty="0"/>
           </a:p>
         </p:txBody>
       </p:sp>
@@ -13070,14 +12856,14 @@
           <a:lstStyle/>
           <a:p>
             <a:r>
-              <a:rPr lang="en-US" sz="4800"/>
+              <a:rPr lang="en-US" sz="4800" dirty="0"/>
               <a:t>Machine learning</a:t>
             </a:r>
             <a:r>
-              <a:rPr lang="en-US"/>
+              <a:rPr lang="en-US" dirty="0"/>
               <a:t> Models</a:t>
             </a:r>
-            <a:endParaRPr lang="en-US" sz="4800"/>
+            <a:endParaRPr lang="en-US" sz="4800" dirty="0"/>
           </a:p>
         </p:txBody>
       </p:sp>
@@ -13309,14 +13095,14 @@
               <a:buNone/>
             </a:pPr>
             <a:r>
-              <a:rPr lang="en-US" b="1">
+              <a:rPr lang="en-US" b="1" dirty="0">
                 <a:latin typeface="Calibri Light"/>
                 <a:ea typeface="+mn-lt"/>
                 <a:cs typeface="+mn-lt"/>
               </a:rPr>
               <a:t>Logistic Regression: </a:t>
             </a:r>
-            <a:endParaRPr lang="en-US" b="1">
+            <a:endParaRPr lang="en-US" b="1" dirty="0">
               <a:highlight>
                 <a:srgbClr val="FFFF00"/>
               </a:highlight>
@@ -13334,14 +13120,14 @@
               <a:buChar char="•"/>
             </a:pPr>
             <a:r>
-              <a:rPr lang="en-US">
+              <a:rPr lang="en-US" dirty="0">
                 <a:latin typeface="Calibri Light"/>
                 <a:ea typeface="+mn-lt"/>
                 <a:cs typeface="+mn-lt"/>
               </a:rPr>
               <a:t>Ideal for binary classification tasks, such as predicting the presence or absence of a genetic disorder.</a:t>
             </a:r>
-            <a:endParaRPr lang="en-US">
+            <a:endParaRPr lang="en-US" dirty="0">
               <a:latin typeface="Calibri Light"/>
               <a:ea typeface="Calibri Light"/>
               <a:cs typeface="Calibri"/>
@@ -13356,14 +13142,14 @@
               <a:buChar char="•"/>
             </a:pPr>
             <a:r>
-              <a:rPr lang="en-US">
+              <a:rPr lang="en-US" dirty="0">
                 <a:latin typeface="Calibri Light"/>
                 <a:ea typeface="+mn-lt"/>
                 <a:cs typeface="+mn-lt"/>
               </a:rPr>
               <a:t>Well-suited for scenarios with two possible outcomes.</a:t>
             </a:r>
-            <a:endParaRPr lang="en-US">
+            <a:endParaRPr lang="en-US" dirty="0">
               <a:latin typeface="Calibri Light"/>
               <a:ea typeface="Calibri Light"/>
               <a:cs typeface="Calibri"/>
@@ -13378,28 +13164,12 @@
               <a:buChar char="•"/>
             </a:pPr>
             <a:r>
-              <a:rPr lang="en-US">
+              <a:rPr lang="en-US" dirty="0">
                 <a:latin typeface="Calibri Light"/>
                 <a:ea typeface="+mn-lt"/>
                 <a:cs typeface="+mn-lt"/>
               </a:rPr>
-              <a:t>Applied both on synthetic data and in an imbalanced dataset pipeline utilizing </a:t>
-            </a:r>
-            <a:r>
-              <a:rPr lang="en-US" err="1">
-                <a:latin typeface="Calibri Light"/>
-                <a:ea typeface="+mn-lt"/>
-                <a:cs typeface="+mn-lt"/>
-              </a:rPr>
-              <a:t>undersampling</a:t>
-            </a:r>
-            <a:r>
-              <a:rPr lang="en-US">
-                <a:latin typeface="Calibri Light"/>
-                <a:ea typeface="+mn-lt"/>
-                <a:cs typeface="+mn-lt"/>
-              </a:rPr>
-              <a:t> and SMOTE techniques.</a:t>
+              <a:t>Applied both on synthetic data and in an imbalanced dataset pipeline utilizing undersampling and SMOTE techniques.</a:t>
             </a:r>
           </a:p>
           <a:p>
@@ -13409,7 +13179,7 @@
               </a:lnSpc>
               <a:buNone/>
             </a:pPr>
-            <a:endParaRPr lang="en-US">
+            <a:endParaRPr lang="en-US" dirty="0">
               <a:latin typeface="Calibri Light"/>
               <a:ea typeface="+mn-lt"/>
               <a:cs typeface="+mn-lt"/>
@@ -13423,14 +13193,14 @@
               <a:buNone/>
             </a:pPr>
             <a:r>
-              <a:rPr lang="en-US" b="1">
+              <a:rPr lang="en-US" b="1" dirty="0">
                 <a:latin typeface="Calibri Light"/>
                 <a:ea typeface="+mn-lt"/>
                 <a:cs typeface="+mn-lt"/>
               </a:rPr>
               <a:t>Neural Network Logistic Regression:</a:t>
             </a:r>
-            <a:endParaRPr lang="en-US">
+            <a:endParaRPr lang="en-US" dirty="0">
               <a:latin typeface="Calibri Light"/>
               <a:ea typeface="+mn-lt"/>
               <a:cs typeface="+mn-lt"/>
@@ -13445,7 +13215,7 @@
               <a:buChar char="•"/>
             </a:pPr>
             <a:r>
-              <a:rPr lang="en-US">
+              <a:rPr lang="en-US" dirty="0">
                 <a:latin typeface="Calibri Light"/>
                 <a:ea typeface="+mn-lt"/>
                 <a:cs typeface="+mn-lt"/>
@@ -13462,14 +13232,14 @@
               <a:buChar char="•"/>
             </a:pPr>
             <a:r>
-              <a:rPr lang="en-US">
+              <a:rPr lang="en-US" dirty="0">
                 <a:latin typeface="Calibri Light"/>
                 <a:ea typeface="+mn-lt"/>
                 <a:cs typeface="+mn-lt"/>
               </a:rPr>
               <a:t>Offers the capability to capture non-linear patterns and relationships within the data.</a:t>
             </a:r>
-            <a:endParaRPr lang="en-US">
+            <a:endParaRPr lang="en-US" dirty="0">
               <a:latin typeface="Calibri Light"/>
               <a:ea typeface="Calibri Light"/>
               <a:cs typeface="Calibri"/>
@@ -13484,7 +13254,7 @@
               <a:buChar char="•"/>
             </a:pPr>
             <a:r>
-              <a:rPr lang="en-US">
+              <a:rPr lang="en-US" dirty="0">
                 <a:latin typeface="Calibri Light"/>
                 <a:ea typeface="+mn-lt"/>
                 <a:cs typeface="+mn-lt"/>
@@ -13499,7 +13269,7 @@
               </a:lnSpc>
               <a:buNone/>
             </a:pPr>
-            <a:endParaRPr lang="en-US">
+            <a:endParaRPr lang="en-US" dirty="0">
               <a:latin typeface="Calibri Light"/>
               <a:ea typeface="+mn-lt"/>
               <a:cs typeface="+mn-lt"/>
@@ -13513,14 +13283,14 @@
               <a:buNone/>
             </a:pPr>
             <a:r>
-              <a:rPr lang="en-US" b="1">
+              <a:rPr lang="en-US" b="1" dirty="0">
                 <a:latin typeface="Calibri Light"/>
                 <a:ea typeface="+mn-lt"/>
                 <a:cs typeface="+mn-lt"/>
               </a:rPr>
               <a:t>Random Forest:</a:t>
             </a:r>
-            <a:endParaRPr lang="en-US">
+            <a:endParaRPr lang="en-US" dirty="0">
               <a:latin typeface="Calibri Light"/>
               <a:ea typeface="Calibri Light"/>
               <a:cs typeface="Calibri"/>
@@ -13535,7 +13305,7 @@
               <a:buChar char="•"/>
             </a:pPr>
             <a:r>
-              <a:rPr lang="en-US">
+              <a:rPr lang="en-US" dirty="0">
                 <a:latin typeface="Calibri Light"/>
                 <a:ea typeface="+mn-lt"/>
                 <a:cs typeface="+mn-lt"/>
@@ -13552,7 +13322,7 @@
               <a:buChar char="•"/>
             </a:pPr>
             <a:r>
-              <a:rPr lang="en-US">
+              <a:rPr lang="en-US" dirty="0">
                 <a:latin typeface="Calibri Light"/>
                 <a:ea typeface="+mn-lt"/>
                 <a:cs typeface="+mn-lt"/>
@@ -13569,7 +13339,7 @@
               <a:buChar char="•"/>
             </a:pPr>
             <a:r>
-              <a:rPr lang="en-US">
+              <a:rPr lang="en-US" dirty="0">
                 <a:latin typeface="Calibri Light"/>
                 <a:ea typeface="+mn-lt"/>
                 <a:cs typeface="+mn-lt"/>
@@ -13584,7 +13354,7 @@
               </a:lnSpc>
               <a:buNone/>
             </a:pPr>
-            <a:endParaRPr lang="en-US">
+            <a:endParaRPr lang="en-US" dirty="0">
               <a:cs typeface="Calibri" panose="020F0502020204030204"/>
             </a:endParaRPr>
           </a:p>
@@ -13596,7 +13366,7 @@
               <a:buFont typeface="Calibri" panose="020B0604020202020204" pitchFamily="34" charset="0"/>
               <a:buChar char="-"/>
             </a:pPr>
-            <a:endParaRPr lang="en-US">
+            <a:endParaRPr lang="en-US" dirty="0">
               <a:cs typeface="Calibri" panose="020F0502020204030204"/>
             </a:endParaRPr>
           </a:p>
@@ -13605,7 +13375,7 @@
               <a:buFont typeface="Calibri" panose="020B0604020202020204" pitchFamily="34" charset="0"/>
               <a:buChar char="-"/>
             </a:pPr>
-            <a:endParaRPr lang="en-US">
+            <a:endParaRPr lang="en-US" dirty="0">
               <a:cs typeface="Calibri" panose="020F0502020204030204"/>
             </a:endParaRPr>
           </a:p>
@@ -13614,7 +13384,7 @@
               <a:buFont typeface="Calibri" panose="020B0604020202020204" pitchFamily="34" charset="0"/>
               <a:buChar char="-"/>
             </a:pPr>
-            <a:endParaRPr lang="en-US" sz="1200">
+            <a:endParaRPr lang="en-US" sz="1200" dirty="0">
               <a:solidFill>
                 <a:srgbClr val="374151"/>
               </a:solidFill>
@@ -13691,7 +13461,7 @@
           <a:lstStyle/>
           <a:p>
             <a:pPr algn="ctr"/>
-            <a:endParaRPr lang="en-US"/>
+            <a:endParaRPr lang="en-US" dirty="0"/>
           </a:p>
         </p:txBody>
       </p:sp>
@@ -13753,7 +13523,7 @@
           <a:p>
             <a:pPr algn="l"/>
             <a:r>
-              <a:rPr lang="en-US" sz="1600">
+              <a:rPr lang="en-US" sz="1600" dirty="0">
                 <a:latin typeface="Calibri Light"/>
                 <a:ea typeface="Calibri"/>
                 <a:cs typeface="Calibri"/>
@@ -13797,28 +13567,12 @@
               </a:lnSpc>
             </a:pPr>
             <a:r>
-              <a:rPr lang="en-US">
+              <a:rPr lang="en-US" dirty="0">
                 <a:latin typeface="Calibri Light"/>
                 <a:ea typeface="Calibri Light"/>
                 <a:cs typeface="Calibri Light"/>
               </a:rPr>
-              <a:t>Used the </a:t>
-            </a:r>
-            <a:r>
-              <a:rPr lang="en-US" err="1">
-                <a:latin typeface="Calibri Light"/>
-                <a:ea typeface="Calibri Light"/>
-                <a:cs typeface="Calibri Light"/>
-              </a:rPr>
-              <a:t>make_blobs</a:t>
-            </a:r>
-            <a:r>
-              <a:rPr lang="en-US">
-                <a:latin typeface="Calibri Light"/>
-                <a:ea typeface="Calibri Light"/>
-                <a:cs typeface="Calibri Light"/>
-              </a:rPr>
-              <a:t> function to generate synthetic data for testing purposes</a:t>
+              <a:t>Used the make_blobs function to generate synthetic data for testing purposes</a:t>
             </a:r>
           </a:p>
           <a:p>
@@ -13828,12 +13582,27 @@
               </a:lnSpc>
             </a:pPr>
             <a:r>
-              <a:rPr lang="en-US">
+              <a:rPr lang="en-US" dirty="0">
                 <a:latin typeface="Calibri Light"/>
                 <a:ea typeface="Calibri Light"/>
                 <a:cs typeface="Calibri Light"/>
               </a:rPr>
               <a:t>Balanced accuracy score for the model was 1.0</a:t>
+            </a:r>
+          </a:p>
+          <a:p>
+            <a:pPr>
+              <a:lnSpc>
+                <a:spcPct val="100000"/>
+              </a:lnSpc>
+            </a:pPr>
+            <a:r>
+              <a:rPr lang="en-US" dirty="0">
+                <a:latin typeface="Calibri Light"/>
+                <a:ea typeface="Calibri Light"/>
+                <a:cs typeface="Calibri Light"/>
+              </a:rPr>
+              <a:t>No false positives or false negatives identified</a:t>
             </a:r>
           </a:p>
         </p:txBody>
@@ -13897,8 +13666,38 @@
         </p:blipFill>
         <p:spPr>
           <a:xfrm>
-            <a:off x="1513115" y="1380170"/>
-            <a:ext cx="4385129" cy="3589661"/>
+            <a:off x="2946402" y="3511957"/>
+            <a:ext cx="4067629" cy="3317518"/>
+          </a:xfrm>
+          <a:prstGeom prst="rect">
+            <a:avLst/>
+          </a:prstGeom>
+        </p:spPr>
+      </p:pic>
+      <p:pic>
+        <p:nvPicPr>
+          <p:cNvPr id="2" name="Picture 1">
+            <a:extLst>
+              <a:ext uri="{FF2B5EF4-FFF2-40B4-BE49-F238E27FC236}">
+                <a16:creationId xmlns:a16="http://schemas.microsoft.com/office/drawing/2014/main" id="{308B84D8-70AE-C28B-73FC-982FEF52B5D4}"/>
+              </a:ext>
+            </a:extLst>
+          </p:cNvPr>
+          <p:cNvPicPr>
+            <a:picLocks noChangeAspect="1"/>
+          </p:cNvPicPr>
+          <p:nvPr/>
+        </p:nvPicPr>
+        <p:blipFill>
+          <a:blip r:embed="rId3"/>
+          <a:stretch>
+            <a:fillRect/>
+          </a:stretch>
+        </p:blipFill>
+        <p:spPr>
+          <a:xfrm>
+            <a:off x="107044" y="24592"/>
+            <a:ext cx="3632199" cy="3488673"/>
           </a:xfrm>
           <a:prstGeom prst="rect">
             <a:avLst/>
@@ -14003,7 +13802,7 @@
           <a:lstStyle/>
           <a:p>
             <a:pPr algn="ctr"/>
-            <a:endParaRPr lang="en-US"/>
+            <a:endParaRPr lang="en-US" dirty="0"/>
           </a:p>
         </p:txBody>
       </p:sp>
@@ -14068,7 +13867,7 @@
               <a:rPr lang="en-US" smtClean="0"/>
               <a:t>9</a:t>
             </a:fld>
-            <a:endParaRPr lang="en-US"/>
+            <a:endParaRPr lang="en-US" dirty="0"/>
           </a:p>
         </p:txBody>
       </p:sp>
@@ -14110,7 +13909,7 @@
               </a:rPr>
               <a:t>Feature coefficients shed light on the significance of various factors in predicting genetic disorders​</a:t>
             </a:r>
-            <a:endParaRPr lang="en-US"/>
+            <a:endParaRPr lang="en-US" dirty="0"/>
           </a:p>
         </p:txBody>
       </p:sp>
@@ -15043,6 +14842,15 @@
 </file>
 
 <file path=customXml/item1.xml><?xml version="1.0" encoding="utf-8"?>
+<?mso-contentType ?>
+<FormTemplates xmlns="http://schemas.microsoft.com/sharepoint/v3/contenttype/forms">
+  <Display>DocumentLibraryForm</Display>
+  <Edit>DocumentLibraryForm</Edit>
+  <New>DocumentLibraryForm</New>
+</FormTemplates>
+</file>
+
+<file path=customXml/item2.xml><?xml version="1.0" encoding="utf-8"?>
 <p:properties xmlns:p="http://schemas.microsoft.com/office/2006/metadata/properties" xmlns:xsi="http://www.w3.org/2001/XMLSchema-instance" xmlns:pc="http://schemas.microsoft.com/office/infopath/2007/PartnerControls">
   <documentManagement>
     <Status xmlns="71af3243-3dd4-4a8d-8c0d-dd76da1f02a5">Not started</Status>
@@ -15060,15 +14868,6 @@
     <TaxCatchAll xmlns="230e9df3-be65-4c73-a93b-d1236ebd677e" xsi:nil="true"/>
   </documentManagement>
 </p:properties>
-</file>
-
-<file path=customXml/item2.xml><?xml version="1.0" encoding="utf-8"?>
-<?mso-contentType ?>
-<FormTemplates xmlns="http://schemas.microsoft.com/sharepoint/v3/contenttype/forms">
-  <Display>DocumentLibraryForm</Display>
-  <Edit>DocumentLibraryForm</Edit>
-  <New>DocumentLibraryForm</New>
-</FormTemplates>
 </file>
 
 <file path=customXml/item3.xml><?xml version="1.0" encoding="utf-8"?>
@@ -15384,6 +15183,14 @@
 </file>
 
 <file path=customXml/itemProps1.xml><?xml version="1.0" encoding="utf-8"?>
+<ds:datastoreItem xmlns:ds="http://schemas.openxmlformats.org/officeDocument/2006/customXml" ds:itemID="{99E4EAC9-33DC-4CF0-BA31-C98F61CE4785}">
+  <ds:schemaRefs>
+    <ds:schemaRef ds:uri="http://schemas.microsoft.com/sharepoint/v3/contenttype/forms"/>
+  </ds:schemaRefs>
+</ds:datastoreItem>
+</file>
+
+<file path=customXml/itemProps2.xml><?xml version="1.0" encoding="utf-8"?>
 <ds:datastoreItem xmlns:ds="http://schemas.openxmlformats.org/officeDocument/2006/customXml" ds:itemID="{8002A8ED-1331-4C1D-8649-743D7BE164DD}">
   <ds:schemaRefs>
     <ds:schemaRef ds:uri="230e9df3-be65-4c73-a93b-d1236ebd677e"/>
@@ -15391,14 +15198,6 @@
     <ds:schemaRef ds:uri="http://schemas.microsoft.com/office/2006/metadata/properties"/>
     <ds:schemaRef ds:uri="http://schemas.microsoft.com/office/infopath/2007/PartnerControls"/>
     <ds:schemaRef ds:uri="http://schemas.microsoft.com/sharepoint/v3"/>
-  </ds:schemaRefs>
-</ds:datastoreItem>
-</file>
-
-<file path=customXml/itemProps2.xml><?xml version="1.0" encoding="utf-8"?>
-<ds:datastoreItem xmlns:ds="http://schemas.openxmlformats.org/officeDocument/2006/customXml" ds:itemID="{99E4EAC9-33DC-4CF0-BA31-C98F61CE4785}">
-  <ds:schemaRefs>
-    <ds:schemaRef ds:uri="http://schemas.microsoft.com/sharepoint/v3/contenttype/forms"/>
   </ds:schemaRefs>
 </ds:datastoreItem>
 </file>

--- a/Predicting Genetic Disorders.pptx
+++ b/Predicting Genetic Disorders.pptx
@@ -155,23 +155,6 @@
     </p:ext>
   </p:extLst>
 </p:presentation>
-</file>
-
-<file path=ppt/revisionInfo.xml><?xml version="1.0" encoding="utf-8"?>
-<p1510:revInfo xmlns:a="http://schemas.openxmlformats.org/drawingml/2006/main" xmlns:r="http://schemas.openxmlformats.org/officeDocument/2006/relationships" xmlns:p1510="http://schemas.microsoft.com/office/powerpoint/2015/10/main">
-  <p1510:revLst>
-    <p1510:client id="{03D9FDBB-35E9-4577-B45B-775A5844B911}" v="775" dt="2023-11-28T23:34:20.639"/>
-    <p1510:client id="{1DB862C0-30BE-46B1-9FE8-90790653664F}" v="12" dt="2023-11-30T22:29:50.187"/>
-    <p1510:client id="{4B2577C7-9BE0-4A1A-90E2-CBFA7C280875}" v="1769" dt="2023-11-28T02:40:08.706"/>
-    <p1510:client id="{697311BA-1602-45D4-808D-C619BF58522C}" v="1" dt="2023-11-28T00:14:22.174"/>
-    <p1510:client id="{729056F2-1075-40AD-8AF5-528F5AC79E5B}" v="1280" dt="2023-11-29T01:48:15.894"/>
-    <p1510:client id="{77F0951E-86D2-43F3-89DF-4CECD5715A6F}" v="1" dt="2023-11-28T01:00:14.035"/>
-    <p1510:client id="{B1B9972E-C4C4-4E20-A90A-DB53EBDA50AB}" v="300" dt="2023-11-29T01:45:13.203"/>
-    <p1510:client id="{BF618060-446C-478A-AE00-F1420B43AD94}" v="2" dt="2023-11-30T22:37:49.169"/>
-    <p1510:client id="{CA6AA994-0E1C-4672-8478-011ACC155B26}" v="7" dt="2023-11-27T23:36:00.929"/>
-    <p1510:client id="{DB5D0402-E2DF-46F3-8713-F7B9048B5D50}" v="107" dt="2023-11-30T22:35:41.661"/>
-  </p1510:revLst>
-</p1510:revInfo>
 </file>
 
 <file path=ppt/handoutMasters/handoutMaster1.xml><?xml version="1.0" encoding="utf-8"?>
@@ -5755,7 +5738,7 @@
                 <a:ea typeface="Calibri Light"/>
                 <a:cs typeface="Calibri Light"/>
               </a:rPr>
-              <a:t>Logistic regression model accuracy: 1.000</a:t>
+              <a:t>Logistic regression model accuracy: 1.00</a:t>
             </a:r>
           </a:p>
           <a:p>
@@ -5772,11 +5755,100 @@
               </a:rPr>
               <a:t>Outcome aligns with the Logistics Regression Model using synthetic data generation</a:t>
             </a:r>
-            <a:endParaRPr lang="en-US" sz="1600" dirty="0">
-              <a:latin typeface="Calibri Light"/>
-              <a:ea typeface="Calibri Light"/>
-              <a:cs typeface="Calibri Light"/>
-            </a:endParaRPr>
+          </a:p>
+          <a:p>
+            <a:pPr>
+              <a:lnSpc>
+                <a:spcPct val="100000"/>
+              </a:lnSpc>
+            </a:pPr>
+            <a:r>
+              <a:rPr lang="en-US" dirty="0">
+                <a:solidFill>
+                  <a:srgbClr val="000000"/>
+                </a:solidFill>
+                <a:latin typeface="Calibri Light"/>
+                <a:ea typeface="Calibri Light"/>
+                <a:cs typeface="Calibri Light"/>
+              </a:rPr>
+              <a:t>Network Architecture Overview:</a:t>
+            </a:r>
+          </a:p>
+          <a:p>
+            <a:pPr lvl="1">
+              <a:lnSpc>
+                <a:spcPct val="100000"/>
+              </a:lnSpc>
+            </a:pPr>
+            <a:r>
+              <a:rPr lang="en-US" dirty="0">
+                <a:solidFill>
+                  <a:srgbClr val="000000"/>
+                </a:solidFill>
+                <a:latin typeface="Calibri Light"/>
+                <a:ea typeface="Calibri Light"/>
+                <a:cs typeface="Calibri Light"/>
+              </a:rPr>
+              <a:t>Input layer with 24 dimensions.</a:t>
+            </a:r>
+          </a:p>
+          <a:p>
+            <a:pPr lvl="1">
+              <a:lnSpc>
+                <a:spcPct val="100000"/>
+              </a:lnSpc>
+            </a:pPr>
+            <a:r>
+              <a:rPr lang="en-US" dirty="0">
+                <a:solidFill>
+                  <a:srgbClr val="000000"/>
+                </a:solidFill>
+                <a:latin typeface="Calibri Light"/>
+                <a:ea typeface="Calibri Light"/>
+                <a:cs typeface="Calibri Light"/>
+              </a:rPr>
+              <a:t>Two hidden layers with 16 units each, employing "</a:t>
+            </a:r>
+            <a:r>
+              <a:rPr lang="en-US" dirty="0" err="1">
+                <a:solidFill>
+                  <a:srgbClr val="000000"/>
+                </a:solidFill>
+                <a:latin typeface="Calibri Light"/>
+                <a:ea typeface="Calibri Light"/>
+                <a:cs typeface="Calibri Light"/>
+              </a:rPr>
+              <a:t>relu</a:t>
+            </a:r>
+            <a:r>
+              <a:rPr lang="en-US" dirty="0">
+                <a:solidFill>
+                  <a:srgbClr val="000000"/>
+                </a:solidFill>
+                <a:latin typeface="Calibri Light"/>
+                <a:ea typeface="Calibri Light"/>
+                <a:cs typeface="Calibri Light"/>
+              </a:rPr>
+              <a:t>" activation.</a:t>
+            </a:r>
+          </a:p>
+          <a:p>
+            <a:pPr lvl="1">
+              <a:lnSpc>
+                <a:spcPct val="100000"/>
+              </a:lnSpc>
+            </a:pPr>
+            <a:r>
+              <a:rPr lang="en-US" dirty="0">
+                <a:solidFill>
+                  <a:srgbClr val="000000"/>
+                </a:solidFill>
+                <a:latin typeface="Calibri Light"/>
+                <a:ea typeface="Calibri Light"/>
+                <a:cs typeface="Calibri Light"/>
+              </a:rPr>
+              <a:t>Output layer with a single unit using the "sigmoid" activation for binary classification.</a:t>
+            </a:r>
           </a:p>
           <a:p>
             <a:pPr>
@@ -6013,9 +6085,6 @@
               </a:rPr>
               <a:t>Used a Logistic Regression and Random Forest models trained on resampled data, with an imbalanced pipeline including undersampling and SMOTE (Synthetic Minority Over-sampling Technique).</a:t>
             </a:r>
-            <a:endParaRPr lang="en-US" dirty="0">
-              <a:cs typeface="Calibri" panose="020F0502020204030204"/>
-            </a:endParaRPr>
           </a:p>
           <a:p>
             <a:pPr>
@@ -6059,7 +6128,7 @@
                 <a:ea typeface="Calibri"/>
                 <a:cs typeface="Calibri"/>
               </a:rPr>
-              <a:t>The imbalanced class distribution, especially for the "No" (Genetic Disorder Not Present) class,  impacted model performance.</a:t>
+              <a:t>The imbalanced class distribution, especially for the "No" (Genetic Disorder Not Present) class, impacted model performance.</a:t>
             </a:r>
           </a:p>
           <a:p>
@@ -6074,7 +6143,7 @@
                 <a:ea typeface="Calibri"/>
                 <a:cs typeface="Calibri"/>
               </a:rPr>
-              <a:t>Further addressing class imbalance, exploring additional features or interactions, and tuning model hyperparameters could improve performance.</a:t>
+              <a:t>Further addressing class imbalance, exploring features or interactions, and tuning model hyperparameters could improve performance.</a:t>
             </a:r>
           </a:p>
           <a:p>
@@ -11943,7 +12012,7 @@
                 <a:ea typeface="Calibri Light"/>
                 <a:cs typeface="Calibri"/>
               </a:rPr>
-              <a:t>Patient Age, Genes in mother's side, Inherited from father, Maternal gene, Paternal gene, Blood cell count (mcL), Status, Respiratory Rate (breaths/min), Heart Rate (rates/min), Follow-up, Gender, Birth asphyxia, Autopsy shows birth defect (if applicable), Place of birth, Folic acid details (peri-conceptional), H/O serious maternal illness, H/O radiation exposure (x-ray), H/O substance abuse, Assisted conception IVF/ART,  History of anomalies in previous pregnancies,  No. of previous abortion, Birth defects, White Blood cell count (thousand per microliter), Blood test result</a:t>
+              <a:t>Patient Age, Genes in mother's side, Inherited from father, Maternal gene, Paternal gene, Blood cell count (mcL), Status, Respiratory Rate (breaths/min), Heart Rate (rates/min), Follow-up, Gender, Birth asphyxia, Autopsy shows birth defect (if applicable), Place of birth, Folic acid details (peri-conceptional), H/O serious maternal illness, H/O radiation exposure (x-ray), H/O substance abuse, Assisted conception IVF/ART,  History of anomalies in previous pregnancies,  No. of previous abortions, Birth defects, White Blood cell count (thousand per microliter), Blood test result</a:t>
             </a:r>
           </a:p>
           <a:p>
@@ -13605,6 +13674,125 @@
               <a:t>No false positives or false negatives identified</a:t>
             </a:r>
           </a:p>
+          <a:p>
+            <a:pPr>
+              <a:lnSpc>
+                <a:spcPct val="100000"/>
+              </a:lnSpc>
+            </a:pPr>
+            <a:r>
+              <a:rPr lang="en-US" dirty="0">
+                <a:latin typeface="Calibri Light"/>
+                <a:ea typeface="Calibri Light"/>
+                <a:cs typeface="Calibri Light"/>
+              </a:rPr>
+              <a:t>Model Overview:</a:t>
+            </a:r>
+          </a:p>
+          <a:p>
+            <a:pPr lvl="1">
+              <a:lnSpc>
+                <a:spcPct val="100000"/>
+              </a:lnSpc>
+            </a:pPr>
+            <a:r>
+              <a:rPr lang="en-US" dirty="0">
+                <a:latin typeface="Calibri Light"/>
+                <a:ea typeface="Calibri Light"/>
+                <a:cs typeface="Calibri Light"/>
+              </a:rPr>
+              <a:t>Each sample comprises 24 features.</a:t>
+            </a:r>
+          </a:p>
+          <a:p>
+            <a:pPr lvl="1">
+              <a:lnSpc>
+                <a:spcPct val="100000"/>
+              </a:lnSpc>
+            </a:pPr>
+            <a:r>
+              <a:rPr lang="en-US" dirty="0">
+                <a:latin typeface="Calibri Light"/>
+                <a:ea typeface="Calibri Light"/>
+                <a:cs typeface="Calibri Light"/>
+              </a:rPr>
+              <a:t>Created a binary classification task with 2 centers.</a:t>
+            </a:r>
+          </a:p>
+          <a:p>
+            <a:pPr lvl="1">
+              <a:lnSpc>
+                <a:spcPct val="100000"/>
+              </a:lnSpc>
+            </a:pPr>
+            <a:r>
+              <a:rPr lang="en-US" dirty="0">
+                <a:latin typeface="Calibri Light"/>
+                <a:ea typeface="Calibri Light"/>
+                <a:cs typeface="Calibri Light"/>
+              </a:rPr>
+              <a:t>Set the random seed to 1 for reproducibility using the </a:t>
+            </a:r>
+            <a:r>
+              <a:rPr lang="en-US" dirty="0" err="1">
+                <a:latin typeface="Calibri Light"/>
+                <a:ea typeface="Calibri Light"/>
+                <a:cs typeface="Calibri Light"/>
+              </a:rPr>
+              <a:t>random_state</a:t>
+            </a:r>
+            <a:r>
+              <a:rPr lang="en-US" dirty="0">
+                <a:latin typeface="Calibri Light"/>
+                <a:ea typeface="Calibri Light"/>
+                <a:cs typeface="Calibri Light"/>
+              </a:rPr>
+              <a:t> parameter.</a:t>
+            </a:r>
+          </a:p>
+          <a:p>
+            <a:pPr lvl="1">
+              <a:lnSpc>
+                <a:spcPct val="100000"/>
+              </a:lnSpc>
+            </a:pPr>
+            <a:r>
+              <a:rPr lang="en-US" dirty="0">
+                <a:latin typeface="Calibri Light"/>
+                <a:ea typeface="Calibri Light"/>
+                <a:cs typeface="Calibri Light"/>
+              </a:rPr>
+              <a:t>Introduced a cluster standard deviation of 2 using the </a:t>
+            </a:r>
+            <a:r>
+              <a:rPr lang="en-US" dirty="0" err="1">
+                <a:latin typeface="Calibri Light"/>
+                <a:ea typeface="Calibri Light"/>
+                <a:cs typeface="Calibri Light"/>
+              </a:rPr>
+              <a:t>cluster_std</a:t>
+            </a:r>
+            <a:r>
+              <a:rPr lang="en-US" dirty="0">
+                <a:latin typeface="Calibri Light"/>
+                <a:ea typeface="Calibri Light"/>
+                <a:cs typeface="Calibri Light"/>
+              </a:rPr>
+              <a:t> parameter.</a:t>
+            </a:r>
+          </a:p>
+          <a:p>
+            <a:pPr lvl="1">
+              <a:lnSpc>
+                <a:spcPct val="100000"/>
+              </a:lnSpc>
+            </a:pPr>
+            <a:endParaRPr lang="en-US" dirty="0">
+              <a:latin typeface="Calibri Light"/>
+              <a:ea typeface="Calibri Light"/>
+              <a:cs typeface="Calibri Light"/>
+            </a:endParaRPr>
+          </a:p>
         </p:txBody>
       </p:sp>
       <p:sp>
@@ -13666,7 +13854,7 @@
         </p:blipFill>
         <p:spPr>
           <a:xfrm>
-            <a:off x="2946402" y="3511957"/>
+            <a:off x="2928296" y="3511957"/>
             <a:ext cx="4067629" cy="3317518"/>
           </a:xfrm>
           <a:prstGeom prst="rect">
